--- a/Report/presentation.pptx
+++ b/Report/presentation.pptx
@@ -117,6 +117,11 @@
       </a:defRPr>
     </a:lvl9pPr>
   </p:defaultTextStyle>
+  <p:extLst>
+    <p:ext uri="{EFAFB233-063F-42B5-8137-9DF3F51BA10A}">
+      <p15:sldGuideLst xmlns:p15="http://schemas.microsoft.com/office/powerpoint/2012/main"/>
+    </p:ext>
+  </p:extLst>
 </p:presentation>
 </file>
 
@@ -5843,7 +5848,7 @@
                   </a:outerShdw>
                 </a:effectLst>
               </a:rPr>
-              <a:t>LI4</a:t>
+              <a:t>LEI</a:t>
             </a:r>
           </a:p>
         </p:txBody>

--- a/Report/presentation.pptx
+++ b/Report/presentation.pptx
@@ -18,7 +18,7 @@
     <p:sldId id="266" r:id="rId9"/>
     <p:sldId id="263" r:id="rId10"/>
     <p:sldId id="264" r:id="rId11"/>
-    <p:sldId id="265" r:id="rId12"/>
+    <p:sldId id="268" r:id="rId12"/>
   </p:sldIdLst>
   <p:sldSz cx="12192000" cy="6858000"/>
   <p:notesSz cx="6858000" cy="9144000"/>
@@ -532,14 +532,20 @@
           <a:p>
             <a:r>
               <a:rPr lang="pt-PT" dirty="0"/>
-              <a:t>Ponto 2 – 2.1 falar do desempenho geral na realização de vários testes, como soma de desempenho de testes individuais</a:t>
+              <a:t>Ponto 2 – 	2.1 Explicar o que é a destreza e o desempenho</a:t>
+            </a:r>
+          </a:p>
+          <a:p>
+            <a:r>
+              <a:rPr lang="pt-PT" dirty="0"/>
+              <a:t>	2.2 falar do desempenho geral na realização de vários testes, como soma de desempenho de testes individuais</a:t>
             </a:r>
             <a:br>
               <a:rPr lang="pt-PT" dirty="0"/>
             </a:br>
             <a:r>
               <a:rPr lang="pt-PT" dirty="0"/>
-              <a:t>                2.2 dizer que cada aluno tem sensibilidades diferentes e tal</a:t>
+              <a:t>                	2.3 dizer que cada aluno tem sensibilidades diferentes e tal</a:t>
             </a:r>
             <a:br>
               <a:rPr lang="pt-PT" dirty="0"/>
@@ -565,7 +571,7 @@
             </a:r>
             <a:r>
               <a:rPr lang="pt-PT" dirty="0"/>
-              <a:t>” adequado cativante e adequado a cada aluno</a:t>
+              <a:t>” cativante e adequado a cada aluno</a:t>
             </a:r>
           </a:p>
         </p:txBody>
@@ -766,6 +772,40 @@
               <a:rPr lang="pt-PT" dirty="0"/>
               <a:t>(?) e definir “informação útil” (dados do aluno como performance, se acertou ou errou ultima pergunta,…)</a:t>
             </a:r>
+          </a:p>
+          <a:p>
+            <a:r>
+              <a:rPr lang="pt-PT" dirty="0"/>
+              <a:t>Ponto 1.2 – explicar que recebemos padrão em </a:t>
+            </a:r>
+            <a:r>
+              <a:rPr lang="pt-PT" dirty="0" err="1"/>
+              <a:t>json</a:t>
+            </a:r>
+            <a:r>
+              <a:rPr lang="pt-PT" dirty="0"/>
+              <a:t>, convertemos os valores do padrão noutros valores, segundo os intervalos estabelecidos por nós.</a:t>
+            </a:r>
+          </a:p>
+          <a:p>
+            <a:r>
+              <a:rPr lang="pt-PT" dirty="0"/>
+              <a:t>Ponto 1.3 – explicar que analisamos esses valores e testamos contra as regras estabelecidas por nós, respetivas a cada um dos </a:t>
+            </a:r>
+            <a:r>
+              <a:rPr lang="pt-PT" dirty="0" err="1"/>
+              <a:t>dominios</a:t>
+            </a:r>
+            <a:r>
+              <a:rPr lang="pt-PT" dirty="0"/>
+              <a:t>.</a:t>
+            </a:r>
+          </a:p>
+          <a:p>
+            <a:r>
+              <a:rPr lang="pt-PT" dirty="0"/>
+              <a:t>Ponto 1.4 – dizer que a regra acionada (cujas condições são satisfeitas pelos valores) vai ditar qual o tipo de frase a apresentar ao utilizador</a:t>
+            </a:r>
             <a:br>
               <a:rPr lang="pt-PT" dirty="0"/>
             </a:br>
@@ -982,6 +1022,60 @@
             </a:r>
           </a:p>
           <a:p>
+            <a:r>
+              <a:rPr lang="pt-PT" dirty="0"/>
+              <a:t>&gt;&gt; explicar </a:t>
+            </a:r>
+            <a:r>
+              <a:rPr lang="pt-PT" dirty="0" err="1"/>
+              <a:t>tags</a:t>
+            </a:r>
+            <a:r>
+              <a:rPr lang="pt-PT" dirty="0"/>
+              <a:t> (</a:t>
+            </a:r>
+            <a:r>
+              <a:rPr lang="pt-PT" dirty="0" err="1"/>
+              <a:t>greetings</a:t>
+            </a:r>
+            <a:r>
+              <a:rPr lang="pt-PT" dirty="0"/>
+              <a:t>, </a:t>
+            </a:r>
+            <a:r>
+              <a:rPr lang="pt-PT" dirty="0" err="1"/>
+              <a:t>funny</a:t>
+            </a:r>
+            <a:r>
+              <a:rPr lang="pt-PT" dirty="0"/>
+              <a:t>, </a:t>
+            </a:r>
+            <a:r>
+              <a:rPr lang="pt-PT" dirty="0" err="1"/>
+              <a:t>phrase</a:t>
+            </a:r>
+            <a:r>
+              <a:rPr lang="pt-PT" dirty="0"/>
+              <a:t>, </a:t>
+            </a:r>
+            <a:r>
+              <a:rPr lang="pt-PT" dirty="0" err="1"/>
+              <a:t>counter</a:t>
+            </a:r>
+            <a:r>
+              <a:rPr lang="pt-PT" dirty="0"/>
+              <a:t>, </a:t>
+            </a:r>
+            <a:r>
+              <a:rPr lang="pt-PT" dirty="0" err="1"/>
+              <a:t>answer</a:t>
+            </a:r>
+            <a:r>
+              <a:rPr lang="pt-PT" dirty="0"/>
+              <a:t>…)</a:t>
+            </a:r>
+          </a:p>
+          <a:p>
             <a:endParaRPr lang="pt-PT" dirty="0"/>
           </a:p>
         </p:txBody>
@@ -1068,7 +1162,7 @@
           <a:p>
             <a:r>
               <a:rPr lang="pt-PT" dirty="0"/>
-              <a:t>No </a:t>
+              <a:t>- No </a:t>
             </a:r>
             <a:r>
               <a:rPr lang="pt-PT" dirty="0" err="1"/>
@@ -1076,8 +1170,237 @@
             </a:r>
             <a:r>
               <a:rPr lang="pt-PT" dirty="0"/>
-              <a:t> falar do NLTK</a:t>
-            </a:r>
+              <a:t> falar do script para geração de frases, com cadeias de </a:t>
+            </a:r>
+            <a:r>
+              <a:rPr lang="pt-PT" dirty="0" err="1"/>
+              <a:t>Markov</a:t>
+            </a:r>
+            <a:r>
+              <a:rPr lang="pt-PT" dirty="0"/>
+              <a:t> e utilização de NLTK para processamento de frases (separar por palavras)</a:t>
+            </a:r>
+          </a:p>
+          <a:p>
+            <a:pPr marL="171450" indent="-171450">
+              <a:buFontTx/>
+              <a:buChar char="-"/>
+            </a:pPr>
+            <a:r>
+              <a:rPr lang="pt-PT" dirty="0" err="1"/>
+              <a:t>Sentence</a:t>
+            </a:r>
+            <a:r>
+              <a:rPr lang="pt-PT" dirty="0"/>
+              <a:t> </a:t>
+            </a:r>
+            <a:r>
+              <a:rPr lang="pt-PT" dirty="0" err="1"/>
+              <a:t>generator</a:t>
+            </a:r>
+            <a:r>
+              <a:rPr lang="pt-PT" dirty="0"/>
+              <a:t> </a:t>
+            </a:r>
+            <a:r>
+              <a:rPr lang="pt-PT" dirty="0" err="1"/>
+              <a:t>with</a:t>
+            </a:r>
+            <a:r>
+              <a:rPr lang="pt-PT" dirty="0"/>
+              <a:t> </a:t>
+            </a:r>
+            <a:r>
+              <a:rPr lang="pt-PT" dirty="0" err="1"/>
+              <a:t>Markov</a:t>
+            </a:r>
+            <a:r>
+              <a:rPr lang="pt-PT" dirty="0"/>
+              <a:t> </a:t>
+            </a:r>
+            <a:r>
+              <a:rPr lang="pt-PT" dirty="0" err="1"/>
+              <a:t>chains</a:t>
+            </a:r>
+            <a:r>
+              <a:rPr lang="pt-PT" dirty="0"/>
+              <a:t>: o programa </a:t>
+            </a:r>
+            <a:r>
+              <a:rPr lang="pt-PT" sz="1200" b="0" i="0" kern="1200" dirty="0">
+                <a:solidFill>
+                  <a:schemeClr val="tx1"/>
+                </a:solidFill>
+                <a:effectLst/>
+                <a:latin typeface="+mn-lt"/>
+                <a:ea typeface="+mn-ea"/>
+                <a:cs typeface="+mn-cs"/>
+              </a:rPr>
+              <a:t>cria um dicionário com as palavras, recebidas de um </a:t>
+            </a:r>
+            <a:r>
+              <a:rPr lang="pt-PT" sz="1200" b="0" i="0" kern="1200" dirty="0" err="1">
+                <a:solidFill>
+                  <a:schemeClr val="tx1"/>
+                </a:solidFill>
+                <a:effectLst/>
+                <a:latin typeface="+mn-lt"/>
+                <a:ea typeface="+mn-ea"/>
+                <a:cs typeface="+mn-cs"/>
+              </a:rPr>
+              <a:t>dataset</a:t>
+            </a:r>
+            <a:r>
+              <a:rPr lang="pt-PT" sz="1200" b="0" i="0" kern="1200" dirty="0">
+                <a:solidFill>
+                  <a:schemeClr val="tx1"/>
+                </a:solidFill>
+                <a:effectLst/>
+                <a:latin typeface="+mn-lt"/>
+                <a:ea typeface="+mn-ea"/>
+                <a:cs typeface="+mn-cs"/>
+              </a:rPr>
+              <a:t> com frases, e a palavra que vem a seguir, e depois aplica cadeias de </a:t>
+            </a:r>
+            <a:r>
+              <a:rPr lang="pt-PT" sz="1200" b="0" i="0" kern="1200" dirty="0" err="1">
+                <a:solidFill>
+                  <a:schemeClr val="tx1"/>
+                </a:solidFill>
+                <a:effectLst/>
+                <a:latin typeface="+mn-lt"/>
+                <a:ea typeface="+mn-ea"/>
+                <a:cs typeface="+mn-cs"/>
+              </a:rPr>
+              <a:t>Markov</a:t>
+            </a:r>
+            <a:r>
+              <a:rPr lang="pt-PT" sz="1200" b="0" i="0" kern="1200" dirty="0">
+                <a:solidFill>
+                  <a:schemeClr val="tx1"/>
+                </a:solidFill>
+                <a:effectLst/>
+                <a:latin typeface="+mn-lt"/>
+                <a:ea typeface="+mn-ea"/>
+                <a:cs typeface="+mn-cs"/>
+              </a:rPr>
+              <a:t> sobre essa informação tentando fazer frases que fazem sentido. As cadeias de </a:t>
+            </a:r>
+            <a:r>
+              <a:rPr lang="pt-PT" sz="1200" b="0" i="0" kern="1200" dirty="0" err="1">
+                <a:solidFill>
+                  <a:schemeClr val="tx1"/>
+                </a:solidFill>
+                <a:effectLst/>
+                <a:latin typeface="+mn-lt"/>
+                <a:ea typeface="+mn-ea"/>
+                <a:cs typeface="+mn-cs"/>
+              </a:rPr>
+              <a:t>Markov</a:t>
+            </a:r>
+            <a:r>
+              <a:rPr lang="pt-PT" sz="1200" b="0" i="0" kern="1200" dirty="0">
+                <a:solidFill>
+                  <a:schemeClr val="tx1"/>
+                </a:solidFill>
+                <a:effectLst/>
+                <a:latin typeface="+mn-lt"/>
+                <a:ea typeface="+mn-ea"/>
+                <a:cs typeface="+mn-cs"/>
+              </a:rPr>
+              <a:t> são uteis para prever o estado futuro com base nas características do estado presente. Assim , o programa utiliza e analisa as frases de um </a:t>
+            </a:r>
+            <a:r>
+              <a:rPr lang="pt-PT" sz="1200" b="0" i="0" kern="1200" dirty="0" err="1">
+                <a:solidFill>
+                  <a:schemeClr val="tx1"/>
+                </a:solidFill>
+                <a:effectLst/>
+                <a:latin typeface="+mn-lt"/>
+                <a:ea typeface="+mn-ea"/>
+                <a:cs typeface="+mn-cs"/>
+              </a:rPr>
+              <a:t>dataset</a:t>
+            </a:r>
+            <a:r>
+              <a:rPr lang="pt-PT" sz="1200" b="0" i="0" kern="1200" dirty="0">
+                <a:solidFill>
+                  <a:schemeClr val="tx1"/>
+                </a:solidFill>
+                <a:effectLst/>
+                <a:latin typeface="+mn-lt"/>
+                <a:ea typeface="+mn-ea"/>
+                <a:cs typeface="+mn-cs"/>
+              </a:rPr>
+              <a:t> inicial e, a partir dai, tenta prever e gerar novas frases. Utiliza as cadeiras de </a:t>
+            </a:r>
+            <a:r>
+              <a:rPr lang="pt-PT" sz="1200" b="0" i="0" kern="1200" dirty="0" err="1">
+                <a:solidFill>
+                  <a:schemeClr val="tx1"/>
+                </a:solidFill>
+                <a:effectLst/>
+                <a:latin typeface="+mn-lt"/>
+                <a:ea typeface="+mn-ea"/>
+                <a:cs typeface="+mn-cs"/>
+              </a:rPr>
+              <a:t>markov</a:t>
+            </a:r>
+            <a:r>
+              <a:rPr lang="pt-PT" sz="1200" b="0" i="0" kern="1200" dirty="0">
+                <a:solidFill>
+                  <a:schemeClr val="tx1"/>
+                </a:solidFill>
+                <a:effectLst/>
+                <a:latin typeface="+mn-lt"/>
+                <a:ea typeface="+mn-ea"/>
+                <a:cs typeface="+mn-cs"/>
+              </a:rPr>
+              <a:t> para prever quais as sequências de palavras mais adequadas que precedem a um outro conjunto de palavras.</a:t>
+            </a:r>
+          </a:p>
+          <a:p>
+            <a:pPr marL="171450" indent="-171450">
+              <a:buFontTx/>
+              <a:buChar char="-"/>
+            </a:pPr>
+            <a:r>
+              <a:rPr lang="pt-PT" sz="1200" b="0" i="0" kern="1200" dirty="0">
+                <a:solidFill>
+                  <a:schemeClr val="tx1"/>
+                </a:solidFill>
+                <a:effectLst/>
+                <a:latin typeface="+mn-lt"/>
+                <a:ea typeface="+mn-ea"/>
+                <a:cs typeface="+mn-cs"/>
+              </a:rPr>
+              <a:t>Cadeias de </a:t>
+            </a:r>
+            <a:r>
+              <a:rPr lang="pt-PT" sz="1200" b="0" i="0" kern="1200" dirty="0" err="1">
+                <a:solidFill>
+                  <a:schemeClr val="tx1"/>
+                </a:solidFill>
+                <a:effectLst/>
+                <a:latin typeface="+mn-lt"/>
+                <a:ea typeface="+mn-ea"/>
+                <a:cs typeface="+mn-cs"/>
+              </a:rPr>
+              <a:t>Markov</a:t>
+            </a:r>
+            <a:r>
+              <a:rPr lang="pt-PT" sz="1200" b="0" i="0" kern="1200" dirty="0">
+                <a:solidFill>
+                  <a:schemeClr val="tx1"/>
+                </a:solidFill>
+                <a:effectLst/>
+                <a:latin typeface="+mn-lt"/>
+                <a:ea typeface="+mn-ea"/>
+                <a:cs typeface="+mn-cs"/>
+              </a:rPr>
+              <a:t> são, por isso, bastante utilizadas neste tipo de situações!</a:t>
+            </a:r>
+            <a:endParaRPr lang="pt-PT" dirty="0"/>
           </a:p>
         </p:txBody>
       </p:sp>
@@ -1163,7 +1486,15 @@
           <a:p>
             <a:r>
               <a:rPr lang="pt-PT" dirty="0"/>
-              <a:t>Ponto 2.1 – falar q BD altera constantemente conforme regras e conforme vamos querendo eficiência</a:t>
+              <a:t>Ponto 2.1 – falar q </a:t>
+            </a:r>
+            <a:r>
+              <a:rPr lang="pt-PT" dirty="0" err="1"/>
+              <a:t>mongoDB</a:t>
+            </a:r>
+            <a:r>
+              <a:rPr lang="pt-PT" dirty="0"/>
+              <a:t> e parão alteram constantemente conforme regras e conforme vamos querendo eficiência</a:t>
             </a:r>
             <a:br>
               <a:rPr lang="pt-PT" dirty="0"/>
@@ -5170,7 +5501,7 @@
                   </a:schemeClr>
                 </a:solidFill>
               </a:rPr>
-              <a:t>Diana Costa</a:t>
+              <a:t>Diana Costa (a78985)</a:t>
             </a:r>
           </a:p>
           <a:p>
@@ -5183,7 +5514,7 @@
                   </a:schemeClr>
                 </a:solidFill>
               </a:rPr>
-              <a:t>Gil Cunha</a:t>
+              <a:t>Gil Cunha (a77249)</a:t>
             </a:r>
           </a:p>
           <a:p>
@@ -5196,7 +5527,7 @@
                   </a:schemeClr>
                 </a:solidFill>
               </a:rPr>
-              <a:t>Luís Costa</a:t>
+              <a:t>Luís Costa (a74819)</a:t>
             </a:r>
             <a:br>
               <a:rPr lang="pt-PT" sz="1400" dirty="0">
@@ -5373,7 +5704,9 @@
           </a:xfrm>
         </p:spPr>
         <p:txBody>
-          <a:bodyPr/>
+          <a:bodyPr>
+            <a:normAutofit lnSpcReduction="10000"/>
+          </a:bodyPr>
           <a:lstStyle/>
           <a:p>
             <a:pPr>
@@ -5382,7 +5715,7 @@
             </a:pPr>
             <a:r>
               <a:rPr lang="pt-PT" dirty="0"/>
-              <a:t> Tema interessante e fora da área comum de trabalho do grupo;</a:t>
+              <a:t> Tema interessante e fora da área de trabalho comum do grupo.</a:t>
             </a:r>
           </a:p>
           <a:p>
@@ -5402,7 +5735,7 @@
             </a:pPr>
             <a:r>
               <a:rPr lang="pt-PT" dirty="0"/>
-              <a:t> Constituição da base de conhecimento para as falas do diálogo (em constante alteração;</a:t>
+              <a:t> Constituição da base de conhecimento para as falas do diálogo (em constante alteração);</a:t>
             </a:r>
           </a:p>
           <a:p>
@@ -5412,7 +5745,7 @@
             </a:pPr>
             <a:r>
               <a:rPr lang="pt-PT" dirty="0"/>
-              <a:t> Esboço árvore decisão;</a:t>
+              <a:t> Geração autónoma de frases;</a:t>
             </a:r>
           </a:p>
           <a:p>
@@ -5422,7 +5755,7 @@
             </a:pPr>
             <a:r>
               <a:rPr lang="pt-PT" dirty="0"/>
-              <a:t> Geração autónoma de frases;</a:t>
+              <a:t> Configuração do padrão (em constante alteração);</a:t>
             </a:r>
           </a:p>
           <a:p>
@@ -5432,7 +5765,7 @@
             </a:pPr>
             <a:r>
               <a:rPr lang="pt-PT" dirty="0"/>
-              <a:t> Gerador de regras;</a:t>
+              <a:t> Desenvolvimento do analisador do padrão;</a:t>
             </a:r>
           </a:p>
           <a:p>
@@ -5442,8 +5775,14 @@
             </a:pPr>
             <a:r>
               <a:rPr lang="pt-PT" dirty="0"/>
-              <a:t> Desenvolvimento do analisador do padrão.</a:t>
-            </a:r>
+              <a:t> Desenvolvimento do motor de regras.</a:t>
+            </a:r>
+          </a:p>
+          <a:p>
+            <a:pPr marL="201168" lvl="1" indent="0">
+              <a:buNone/>
+            </a:pPr>
+            <a:endParaRPr lang="pt-PT" dirty="0"/>
           </a:p>
           <a:p>
             <a:pPr>
@@ -5451,7 +5790,7 @@
               <a:buChar char="q"/>
             </a:pPr>
             <a:r>
-              <a:rPr lang="pt-PT" dirty="0"/>
+              <a:rPr lang="pt-PT" sz="2200" dirty="0"/>
               <a:t> Trabalho futuro:</a:t>
             </a:r>
           </a:p>
@@ -5462,7 +5801,27 @@
             </a:pPr>
             <a:r>
               <a:rPr lang="pt-PT" dirty="0"/>
-              <a:t>Continuação de todos os pontos acima</a:t>
+              <a:t> Esboço da árvore de decisão;</a:t>
+            </a:r>
+          </a:p>
+          <a:p>
+            <a:pPr lvl="1">
+              <a:buFont typeface="Wingdings" panose="05000000000000000000" pitchFamily="2" charset="2"/>
+              <a:buChar char="q"/>
+            </a:pPr>
+            <a:r>
+              <a:rPr lang="pt-PT" dirty="0"/>
+              <a:t> Adição e aprimoramento de regras ao motor;</a:t>
+            </a:r>
+          </a:p>
+          <a:p>
+            <a:pPr lvl="1">
+              <a:buFont typeface="Wingdings" panose="05000000000000000000" pitchFamily="2" charset="2"/>
+              <a:buChar char="q"/>
+            </a:pPr>
+            <a:r>
+              <a:rPr lang="pt-PT" dirty="0"/>
+              <a:t> Continuação do desenvolvimento de todos os pontos acima.</a:t>
             </a:r>
           </a:p>
         </p:txBody>
@@ -5740,7 +6099,7 @@
                   </a:schemeClr>
                 </a:solidFill>
               </a:rPr>
-              <a:t>Diana Costa</a:t>
+              <a:t>Diana Costa (a78985)</a:t>
             </a:r>
           </a:p>
           <a:p>
@@ -5753,7 +6112,7 @@
                   </a:schemeClr>
                 </a:solidFill>
               </a:rPr>
-              <a:t>Gil Cunha</a:t>
+              <a:t>Gil Cunha (a77249)</a:t>
             </a:r>
           </a:p>
           <a:p>
@@ -5766,7 +6125,7 @@
                   </a:schemeClr>
                 </a:solidFill>
               </a:rPr>
-              <a:t>Luís Costa</a:t>
+              <a:t>Luís Costa (a74819)</a:t>
             </a:r>
             <a:br>
               <a:rPr lang="pt-PT" sz="1400" dirty="0">
@@ -5856,7 +6215,7 @@
     </p:spTree>
     <p:extLst>
       <p:ext uri="{BB962C8B-B14F-4D97-AF65-F5344CB8AC3E}">
-        <p14:creationId xmlns:p14="http://schemas.microsoft.com/office/powerpoint/2010/main" val="4222177805"/>
+        <p14:creationId xmlns:p14="http://schemas.microsoft.com/office/powerpoint/2010/main" val="4146920485"/>
       </p:ext>
     </p:extLst>
   </p:cSld>
@@ -5992,7 +6351,7 @@
             </a:pPr>
             <a:r>
               <a:rPr lang="pt-PT" dirty="0"/>
-              <a:t> Ferramentas</a:t>
+              <a:t> Ferramentas utilizadas</a:t>
             </a:r>
           </a:p>
           <a:p>
@@ -6106,7 +6465,15 @@
             </a:pPr>
             <a:r>
               <a:rPr lang="pt-PT" dirty="0"/>
-              <a:t> Projeto “Leonardo” surge como um sistema de avaliação de determinada UC:</a:t>
+              <a:t> Projeto “Leonardo” surge como um sistema de avaliação de determinadas </a:t>
+            </a:r>
+            <a:r>
+              <a:rPr lang="pt-PT" dirty="0" err="1"/>
+              <a:t>UCs</a:t>
+            </a:r>
+            <a:r>
+              <a:rPr lang="pt-PT" dirty="0"/>
+              <a:t>:</a:t>
             </a:r>
           </a:p>
           <a:p>
@@ -6136,7 +6503,7 @@
             </a:pPr>
             <a:r>
               <a:rPr lang="pt-PT" dirty="0"/>
-              <a:t>Modelo Conceptual </a:t>
+              <a:t> Modelo Conceptual </a:t>
             </a:r>
           </a:p>
           <a:p>
@@ -6146,7 +6513,7 @@
             </a:pPr>
             <a:r>
               <a:rPr lang="pt-PT" dirty="0"/>
-              <a:t>Modelo Lógico</a:t>
+              <a:t> Modelo Lógico</a:t>
             </a:r>
           </a:p>
           <a:p>
@@ -6166,11 +6533,7 @@
             </a:pPr>
             <a:r>
               <a:rPr lang="pt-PT" dirty="0"/>
-              <a:t> Cada aluno tem um </a:t>
-            </a:r>
-            <a:r>
-              <a:rPr lang="pt-PT" i="1" dirty="0" err="1"/>
-              <a:t>profiler</a:t>
+              <a:t> Cada aluno tem um perfil</a:t>
             </a:r>
             <a:r>
               <a:rPr lang="pt-PT" i="1" dirty="0"/>
@@ -6184,11 +6547,11 @@
             </a:pPr>
             <a:r>
               <a:rPr lang="pt-PT" i="1" dirty="0"/>
-              <a:t> D</a:t>
-            </a:r>
-            <a:r>
-              <a:rPr lang="pt-PT" dirty="0"/>
-              <a:t>iferente desempenho e destreza em diferentes temas avaliados</a:t>
+              <a:t> </a:t>
+            </a:r>
+            <a:r>
+              <a:rPr lang="pt-PT" dirty="0"/>
+              <a:t>Diferentes desempenhos e destrezas em vários temas avaliados;</a:t>
             </a:r>
           </a:p>
           <a:p>
@@ -6198,7 +6561,7 @@
             </a:pPr>
             <a:r>
               <a:rPr lang="pt-PT" dirty="0"/>
-              <a:t> “Personalidade” e “Sensibilidade”</a:t>
+              <a:t> “Personalidade” e “Sensibilidade”;</a:t>
             </a:r>
           </a:p>
           <a:p>
@@ -6318,7 +6681,7 @@
             </a:pPr>
             <a:r>
               <a:rPr lang="pt-PT" dirty="0"/>
-              <a:t> Tornar o sistema “Leonardo” mais amigável e cativante;</a:t>
+              <a:t> Tornar o sistema “Leonardo” mais interativo, amigável e cativante;</a:t>
             </a:r>
           </a:p>
           <a:p>
@@ -6328,7 +6691,7 @@
             </a:pPr>
             <a:r>
               <a:rPr lang="pt-PT" dirty="0"/>
-              <a:t> Capacidade de desenvolver diálogos mais expeditos com utilizadores;</a:t>
+              <a:t> Capacidade de desenvolver diálogos mais expeditos com os utilizadores;</a:t>
             </a:r>
           </a:p>
           <a:p>
@@ -6452,7 +6815,7 @@
             </a:pPr>
             <a:r>
               <a:rPr lang="pt-PT" dirty="0"/>
-              <a:t> Providenciar um sistema de geração de frases capaz de suportar a generalidade dos processos do sistema, em termos gerais e em termos de cada domínio de estudo, em particular;</a:t>
+              <a:t> Providenciar um sistema de geração de frases capaz de suportar os vários processos do sistema, em termos gerais e em termos de cada domínio de estudo, em particular;</a:t>
             </a:r>
           </a:p>
           <a:p>
@@ -6462,7 +6825,7 @@
             </a:pPr>
             <a:r>
               <a:rPr lang="pt-PT" dirty="0"/>
-              <a:t> Desenvolver um sistema de diálogos que desenvolva frases à medida do contexto e com alguma capacidade de adaptação a cada estado de um processo de avaliação.</a:t>
+              <a:t> Desenvolver um sistema de diálogos que dispõe frases à medida do contexto e com alguma capacidade de adaptação a cada estado de um processo de avaliação.</a:t>
             </a:r>
           </a:p>
         </p:txBody>
@@ -6562,7 +6925,7 @@
         </p:blipFill>
         <p:spPr>
           <a:xfrm>
-            <a:off x="2061599" y="2993807"/>
+            <a:off x="2061599" y="3130967"/>
             <a:ext cx="8068801" cy="3105583"/>
           </a:xfrm>
           <a:prstGeom prst="rect">
@@ -6594,7 +6957,7 @@
         </p:spPr>
         <p:txBody>
           <a:bodyPr>
-            <a:normAutofit/>
+            <a:normAutofit fontScale="92500" lnSpcReduction="10000"/>
           </a:bodyPr>
           <a:lstStyle/>
           <a:p>
@@ -6614,7 +6977,7 @@
             </a:pPr>
             <a:r>
               <a:rPr lang="pt-PT" dirty="0"/>
-              <a:t> Análise do Padrão: Analisar padrão vindo de outra componente e extração de informação útil;</a:t>
+              <a:t> Análise do Padrão: Analisar padrão vindo de outra componente e extração/conversão de informação útil;</a:t>
             </a:r>
           </a:p>
           <a:p>
@@ -6624,7 +6987,7 @@
             </a:pPr>
             <a:r>
               <a:rPr lang="pt-PT" dirty="0"/>
-              <a:t> Motor de Regras: Análise de dados provenientes do padrão e geração de regra a utilizar</a:t>
+              <a:t> Motor de Regras: Análise de dados provenientes do padrão e realização de testes, comparando esses dados com as condições das regras, do motor de regras</a:t>
             </a:r>
           </a:p>
           <a:p>
@@ -6634,7 +6997,7 @@
             </a:pPr>
             <a:r>
               <a:rPr lang="pt-PT" dirty="0"/>
-              <a:t> Seleção Diálogo: Através das estruturas de decisão, selecionar qual a frase a enviar ao utilizador.</a:t>
+              <a:t> Seleção de Diálogo: Através das estruturas de decisão, selecionar qual a frase a enviar ao utilizador.</a:t>
             </a:r>
           </a:p>
           <a:p>
@@ -6741,7 +7104,7 @@
         </p:blipFill>
         <p:spPr>
           <a:xfrm>
-            <a:off x="2061599" y="3010741"/>
+            <a:off x="2061599" y="2649491"/>
             <a:ext cx="8068801" cy="3105583"/>
           </a:xfrm>
           <a:prstGeom prst="rect">
@@ -6763,7 +7126,7 @@
         </p:nvSpPr>
         <p:spPr>
           <a:xfrm>
-            <a:off x="10312400" y="3623733"/>
+            <a:off x="10243820" y="3466254"/>
             <a:ext cx="1219200" cy="1209041"/>
           </a:xfrm>
           <a:prstGeom prst="ellipse">
@@ -6807,7 +7170,7 @@
         </p:nvSpPr>
         <p:spPr>
           <a:xfrm>
-            <a:off x="757732" y="3623733"/>
+            <a:off x="639199" y="3466254"/>
             <a:ext cx="1219200" cy="1209041"/>
           </a:xfrm>
           <a:prstGeom prst="ellipse">
@@ -7232,7 +7595,7 @@
                   </a:schemeClr>
                 </a:solidFill>
               </a:rPr>
-              <a:t>Ferramentas e Outros</a:t>
+              <a:t>Ferramentas utilizadas</a:t>
             </a:r>
           </a:p>
         </p:txBody>

--- a/Report/presentation.pptx
+++ b/Report/presentation.pptx
@@ -207,7 +207,7 @@
           <a:p>
             <a:fld id="{FDDF5FE0-F804-4E91-803A-7CECEE48BB95}" type="datetimeFigureOut">
               <a:rPr lang="pt-PT" smtClean="0"/>
-              <a:t>25/03/2019</a:t>
+              <a:t>26/03/2019</a:t>
             </a:fld>
             <a:endParaRPr lang="pt-PT"/>
           </a:p>
@@ -1508,12 +1508,13 @@
             </a:r>
           </a:p>
           <a:p>
-            <a:endParaRPr lang="pt-PT" dirty="0"/>
-          </a:p>
-          <a:p>
-            <a:r>
-              <a:rPr lang="pt-PT" dirty="0"/>
-              <a:t>Ponto 2.3 – dizer que é supervisionada para já ?</a:t>
+            <a:r>
+              <a:rPr lang="pt-PT"/>
+              <a:t>                – </a:t>
+            </a:r>
+            <a:r>
+              <a:rPr lang="pt-PT" dirty="0"/>
+              <a:t>dizer que é supervisionada para já ?</a:t>
             </a:r>
             <a:br>
               <a:rPr lang="pt-PT" dirty="0"/>
@@ -1790,7 +1791,7 @@
           <a:p>
             <a:fld id="{D3D2C362-FAA5-4C55-BE02-652F59C753E4}" type="datetimeFigureOut">
               <a:rPr lang="pt-PT" smtClean="0"/>
-              <a:t>25/03/2019</a:t>
+              <a:t>26/03/2019</a:t>
             </a:fld>
             <a:endParaRPr lang="pt-PT"/>
           </a:p>
@@ -1998,7 +1999,7 @@
           <a:p>
             <a:fld id="{D3D2C362-FAA5-4C55-BE02-652F59C753E4}" type="datetimeFigureOut">
               <a:rPr lang="pt-PT" smtClean="0"/>
-              <a:t>25/03/2019</a:t>
+              <a:t>26/03/2019</a:t>
             </a:fld>
             <a:endParaRPr lang="pt-PT"/>
           </a:p>
@@ -2254,7 +2255,7 @@
           <a:p>
             <a:fld id="{D3D2C362-FAA5-4C55-BE02-652F59C753E4}" type="datetimeFigureOut">
               <a:rPr lang="pt-PT" smtClean="0"/>
-              <a:t>25/03/2019</a:t>
+              <a:t>26/03/2019</a:t>
             </a:fld>
             <a:endParaRPr lang="pt-PT"/>
           </a:p>
@@ -2428,7 +2429,7 @@
           <a:p>
             <a:fld id="{D3D2C362-FAA5-4C55-BE02-652F59C753E4}" type="datetimeFigureOut">
               <a:rPr lang="pt-PT" smtClean="0"/>
-              <a:t>25/03/2019</a:t>
+              <a:t>26/03/2019</a:t>
             </a:fld>
             <a:endParaRPr lang="pt-PT"/>
           </a:p>
@@ -2771,7 +2772,7 @@
           <a:p>
             <a:fld id="{D3D2C362-FAA5-4C55-BE02-652F59C753E4}" type="datetimeFigureOut">
               <a:rPr lang="pt-PT" smtClean="0"/>
-              <a:t>25/03/2019</a:t>
+              <a:t>26/03/2019</a:t>
             </a:fld>
             <a:endParaRPr lang="pt-PT"/>
           </a:p>
@@ -3046,7 +3047,7 @@
           <a:p>
             <a:fld id="{D3D2C362-FAA5-4C55-BE02-652F59C753E4}" type="datetimeFigureOut">
               <a:rPr lang="pt-PT" smtClean="0"/>
-              <a:t>25/03/2019</a:t>
+              <a:t>26/03/2019</a:t>
             </a:fld>
             <a:endParaRPr lang="pt-PT"/>
           </a:p>
@@ -3425,7 +3426,7 @@
           <a:p>
             <a:fld id="{D3D2C362-FAA5-4C55-BE02-652F59C753E4}" type="datetimeFigureOut">
               <a:rPr lang="pt-PT" smtClean="0"/>
-              <a:t>25/03/2019</a:t>
+              <a:t>26/03/2019</a:t>
             </a:fld>
             <a:endParaRPr lang="pt-PT"/>
           </a:p>
@@ -3543,7 +3544,7 @@
           <a:p>
             <a:fld id="{D3D2C362-FAA5-4C55-BE02-652F59C753E4}" type="datetimeFigureOut">
               <a:rPr lang="pt-PT" smtClean="0"/>
-              <a:t>25/03/2019</a:t>
+              <a:t>26/03/2019</a:t>
             </a:fld>
             <a:endParaRPr lang="pt-PT"/>
           </a:p>
@@ -3714,7 +3715,7 @@
           <a:p>
             <a:fld id="{D3D2C362-FAA5-4C55-BE02-652F59C753E4}" type="datetimeFigureOut">
               <a:rPr lang="pt-PT" smtClean="0"/>
-              <a:t>25/03/2019</a:t>
+              <a:t>26/03/2019</a:t>
             </a:fld>
             <a:endParaRPr lang="pt-PT"/>
           </a:p>
@@ -4068,7 +4069,7 @@
           <a:p>
             <a:fld id="{D3D2C362-FAA5-4C55-BE02-652F59C753E4}" type="datetimeFigureOut">
               <a:rPr lang="pt-PT" smtClean="0"/>
-              <a:t>25/03/2019</a:t>
+              <a:t>26/03/2019</a:t>
             </a:fld>
             <a:endParaRPr lang="pt-PT"/>
           </a:p>
@@ -4450,7 +4451,7 @@
           <a:p>
             <a:fld id="{D3D2C362-FAA5-4C55-BE02-652F59C753E4}" type="datetimeFigureOut">
               <a:rPr lang="pt-PT" smtClean="0"/>
-              <a:t>25/03/2019</a:t>
+              <a:t>26/03/2019</a:t>
             </a:fld>
             <a:endParaRPr lang="pt-PT"/>
           </a:p>
@@ -4737,7 +4738,7 @@
           <a:p>
             <a:fld id="{D3D2C362-FAA5-4C55-BE02-652F59C753E4}" type="datetimeFigureOut">
               <a:rPr lang="pt-PT" smtClean="0"/>
-              <a:t>25/03/2019</a:t>
+              <a:t>26/03/2019</a:t>
             </a:fld>
             <a:endParaRPr lang="pt-PT"/>
           </a:p>

--- a/Report/presentation.pptx
+++ b/Report/presentation.pptx
@@ -5,7 +5,7 @@
     <p:sldMasterId id="2147483672" r:id="rId1"/>
   </p:sldMasterIdLst>
   <p:notesMasterIdLst>
-    <p:notesMasterId r:id="rId13"/>
+    <p:notesMasterId r:id="rId14"/>
   </p:notesMasterIdLst>
   <p:sldIdLst>
     <p:sldId id="256" r:id="rId2"/>
@@ -18,7 +18,8 @@
     <p:sldId id="266" r:id="rId9"/>
     <p:sldId id="263" r:id="rId10"/>
     <p:sldId id="264" r:id="rId11"/>
-    <p:sldId id="268" r:id="rId12"/>
+    <p:sldId id="269" r:id="rId12"/>
+    <p:sldId id="268" r:id="rId13"/>
   </p:sldIdLst>
   <p:sldSz cx="12192000" cy="6858000"/>
   <p:notesSz cx="6858000" cy="9144000"/>
@@ -493,7 +494,7 @@
       </p:grpSpPr>
       <p:sp>
         <p:nvSpPr>
-          <p:cNvPr id="2" name="Marcador de Posição da Imagem do Diapositivo 1"/>
+          <p:cNvPr id="2" name="Slide Image Placeholder 1"/>
           <p:cNvSpPr>
             <a:spLocks noGrp="1" noRot="1" noChangeAspect="1"/>
           </p:cNvSpPr>
@@ -505,7 +506,7 @@
       </p:sp>
       <p:sp>
         <p:nvSpPr>
-          <p:cNvPr id="3" name="Marcador de Posição de Notas 2"/>
+          <p:cNvPr id="3" name="Notes Placeholder 2"/>
           <p:cNvSpPr>
             <a:spLocks noGrp="1"/>
           </p:cNvSpPr>
@@ -518,72 +519,18 @@
           <a:bodyPr/>
           <a:lstStyle/>
           <a:p>
-            <a:r>
-              <a:rPr lang="pt-PT" dirty="0"/>
-              <a:t>Ponto 1 – falar também do exemplo de matemática (geometria, trigonometria,…) para encher</a:t>
-            </a:r>
-          </a:p>
-          <a:p>
-            <a:r>
-              <a:rPr lang="pt-PT" dirty="0"/>
-              <a:t> </a:t>
-            </a:r>
-          </a:p>
-          <a:p>
-            <a:r>
-              <a:rPr lang="pt-PT" dirty="0"/>
-              <a:t>Ponto 2 – 	2.1 Explicar o que é a destreza e o desempenho</a:t>
-            </a:r>
-          </a:p>
-          <a:p>
-            <a:r>
-              <a:rPr lang="pt-PT" dirty="0"/>
-              <a:t>	2.2 falar do desempenho geral na realização de vários testes, como soma de desempenho de testes individuais</a:t>
-            </a:r>
-            <a:br>
-              <a:rPr lang="pt-PT" dirty="0"/>
-            </a:br>
-            <a:r>
-              <a:rPr lang="pt-PT" dirty="0"/>
-              <a:t>                	2.3 dizer que cada aluno tem sensibilidades diferentes e tal</a:t>
-            </a:r>
-            <a:br>
-              <a:rPr lang="pt-PT" dirty="0"/>
-            </a:br>
             <a:endParaRPr lang="pt-PT" dirty="0"/>
           </a:p>
-          <a:p>
-            <a:r>
-              <a:rPr lang="pt-PT" dirty="0"/>
-              <a:t>Ponto 3 -  dizer que não se queria apenas o típico </a:t>
-            </a:r>
-            <a:r>
-              <a:rPr lang="pt-PT" dirty="0" err="1"/>
-              <a:t>chatbox</a:t>
-            </a:r>
-            <a:r>
-              <a:rPr lang="pt-PT" dirty="0"/>
-              <a:t> chato, mas um “</a:t>
-            </a:r>
-            <a:r>
-              <a:rPr lang="pt-PT" dirty="0" err="1"/>
-              <a:t>bot</a:t>
-            </a:r>
-            <a:r>
-              <a:rPr lang="pt-PT" dirty="0"/>
-              <a:t>” cativante e adequado a cada aluno</a:t>
-            </a:r>
-          </a:p>
-        </p:txBody>
-      </p:sp>
-      <p:sp>
-        <p:nvSpPr>
-          <p:cNvPr id="4" name="Marcador de Posição do Número do Diapositivo 3"/>
-          <p:cNvSpPr>
-            <a:spLocks noGrp="1"/>
-          </p:cNvSpPr>
-          <p:nvPr>
-            <p:ph type="sldNum" sz="quarter" idx="5"/>
+        </p:txBody>
+      </p:sp>
+      <p:sp>
+        <p:nvSpPr>
+          <p:cNvPr id="4" name="Slide Number Placeholder 3"/>
+          <p:cNvSpPr>
+            <a:spLocks noGrp="1"/>
+          </p:cNvSpPr>
+          <p:nvPr>
+            <p:ph type="sldNum" sz="quarter" idx="10"/>
           </p:nvPr>
         </p:nvSpPr>
         <p:spPr/>
@@ -593,7 +540,7 @@
           <a:p>
             <a:fld id="{F9C76EEC-3DB8-4814-A8C5-185DA6C5A9E9}" type="slidenum">
               <a:rPr lang="pt-PT" smtClean="0"/>
-              <a:t>3</a:t>
+              <a:t>1</a:t>
             </a:fld>
             <a:endParaRPr lang="pt-PT"/>
           </a:p>
@@ -602,7 +549,91 @@
     </p:spTree>
     <p:extLst>
       <p:ext uri="{BB962C8B-B14F-4D97-AF65-F5344CB8AC3E}">
-        <p14:creationId xmlns:p14="http://schemas.microsoft.com/office/powerpoint/2010/main" val="2884616700"/>
+        <p14:creationId xmlns:p14="http://schemas.microsoft.com/office/powerpoint/2010/main" val="3089481180"/>
+      </p:ext>
+    </p:extLst>
+  </p:cSld>
+  <p:clrMapOvr>
+    <a:masterClrMapping/>
+  </p:clrMapOvr>
+</p:notes>
+</file>
+
+<file path=ppt/notesSlides/notesSlide10.xml><?xml version="1.0" encoding="utf-8"?>
+<p:notes xmlns:a="http://schemas.openxmlformats.org/drawingml/2006/main" xmlns:r="http://schemas.openxmlformats.org/officeDocument/2006/relationships" xmlns:p="http://schemas.openxmlformats.org/presentationml/2006/main">
+  <p:cSld>
+    <p:spTree>
+      <p:nvGrpSpPr>
+        <p:cNvPr id="1" name=""/>
+        <p:cNvGrpSpPr/>
+        <p:nvPr/>
+      </p:nvGrpSpPr>
+      <p:grpSpPr>
+        <a:xfrm>
+          <a:off x="0" y="0"/>
+          <a:ext cx="0" cy="0"/>
+          <a:chOff x="0" y="0"/>
+          <a:chExt cx="0" cy="0"/>
+        </a:xfrm>
+      </p:grpSpPr>
+      <p:sp>
+        <p:nvSpPr>
+          <p:cNvPr id="2" name="Slide Image Placeholder 1"/>
+          <p:cNvSpPr>
+            <a:spLocks noGrp="1" noRot="1" noChangeAspect="1"/>
+          </p:cNvSpPr>
+          <p:nvPr>
+            <p:ph type="sldImg"/>
+          </p:nvPr>
+        </p:nvSpPr>
+        <p:spPr/>
+      </p:sp>
+      <p:sp>
+        <p:nvSpPr>
+          <p:cNvPr id="3" name="Notes Placeholder 2"/>
+          <p:cNvSpPr>
+            <a:spLocks noGrp="1"/>
+          </p:cNvSpPr>
+          <p:nvPr>
+            <p:ph type="body" idx="1"/>
+          </p:nvPr>
+        </p:nvSpPr>
+        <p:spPr/>
+        <p:txBody>
+          <a:bodyPr/>
+          <a:lstStyle/>
+          <a:p>
+            <a:endParaRPr lang="pt-PT" dirty="0"/>
+          </a:p>
+        </p:txBody>
+      </p:sp>
+      <p:sp>
+        <p:nvSpPr>
+          <p:cNvPr id="4" name="Slide Number Placeholder 3"/>
+          <p:cNvSpPr>
+            <a:spLocks noGrp="1"/>
+          </p:cNvSpPr>
+          <p:nvPr>
+            <p:ph type="sldNum" sz="quarter" idx="10"/>
+          </p:nvPr>
+        </p:nvSpPr>
+        <p:spPr/>
+        <p:txBody>
+          <a:bodyPr/>
+          <a:lstStyle/>
+          <a:p>
+            <a:fld id="{F9C76EEC-3DB8-4814-A8C5-185DA6C5A9E9}" type="slidenum">
+              <a:rPr lang="pt-PT" smtClean="0"/>
+              <a:t>12</a:t>
+            </a:fld>
+            <a:endParaRPr lang="pt-PT"/>
+          </a:p>
+        </p:txBody>
+      </p:sp>
+    </p:spTree>
+    <p:extLst>
+      <p:ext uri="{BB962C8B-B14F-4D97-AF65-F5344CB8AC3E}">
+        <p14:creationId xmlns:p14="http://schemas.microsoft.com/office/powerpoint/2010/main" val="2587704403"/>
       </p:ext>
     </p:extLst>
   </p:cSld>
@@ -658,17 +689,58 @@
           <a:p>
             <a:r>
               <a:rPr lang="pt-PT" dirty="0"/>
-              <a:t>Ponto 1: salientar que a existência dos outros módulos por estarmos a trabalhar em conjunto com outro projeto</a:t>
+              <a:t>Ponto 1 – falar também do exemplo de matemática (geometria, trigonometria,…) para encher</a:t>
+            </a:r>
+          </a:p>
+          <a:p>
+            <a:r>
+              <a:rPr lang="pt-PT" dirty="0"/>
+              <a:t> </a:t>
+            </a:r>
+          </a:p>
+          <a:p>
+            <a:r>
+              <a:rPr lang="pt-PT" dirty="0"/>
+              <a:t>Ponto 2 – 	2.1 Explicar o que é a destreza e o desempenho</a:t>
+            </a:r>
+          </a:p>
+          <a:p>
+            <a:r>
+              <a:rPr lang="pt-PT" dirty="0"/>
+              <a:t>	2.2 falar do desempenho geral na realização de vários testes, como soma de desempenho de testes individuais</a:t>
             </a:r>
             <a:br>
               <a:rPr lang="pt-PT" dirty="0"/>
             </a:br>
+            <a:r>
+              <a:rPr lang="pt-PT" dirty="0"/>
+              <a:t>                	2.3 dizer que cada aluno tem sensibilidades diferentes e tal</a:t>
+            </a:r>
             <a:br>
               <a:rPr lang="pt-PT" dirty="0"/>
             </a:br>
-            <a:r>
-              <a:rPr lang="pt-PT" dirty="0"/>
-              <a:t>Ponto 2: exemplificar domínio e subdomínio</a:t>
+            <a:endParaRPr lang="pt-PT" dirty="0"/>
+          </a:p>
+          <a:p>
+            <a:r>
+              <a:rPr lang="pt-PT" dirty="0"/>
+              <a:t>Ponto 3 -  dizer que não se queria apenas o típico </a:t>
+            </a:r>
+            <a:r>
+              <a:rPr lang="pt-PT" dirty="0" err="1"/>
+              <a:t>chatbox</a:t>
+            </a:r>
+            <a:r>
+              <a:rPr lang="pt-PT" dirty="0"/>
+              <a:t> chato, mas um “</a:t>
+            </a:r>
+            <a:r>
+              <a:rPr lang="pt-PT" dirty="0" err="1"/>
+              <a:t>bot</a:t>
+            </a:r>
+            <a:r>
+              <a:rPr lang="pt-PT" dirty="0"/>
+              <a:t>” cativante e adequado a cada aluno</a:t>
             </a:r>
           </a:p>
         </p:txBody>
@@ -690,7 +762,7 @@
           <a:p>
             <a:fld id="{F9C76EEC-3DB8-4814-A8C5-185DA6C5A9E9}" type="slidenum">
               <a:rPr lang="pt-PT" smtClean="0"/>
-              <a:t>5</a:t>
+              <a:t>3</a:t>
             </a:fld>
             <a:endParaRPr lang="pt-PT"/>
           </a:p>
@@ -699,7 +771,7 @@
     </p:spTree>
     <p:extLst>
       <p:ext uri="{BB962C8B-B14F-4D97-AF65-F5344CB8AC3E}">
-        <p14:creationId xmlns:p14="http://schemas.microsoft.com/office/powerpoint/2010/main" val="1200589705"/>
+        <p14:creationId xmlns:p14="http://schemas.microsoft.com/office/powerpoint/2010/main" val="2884616700"/>
       </p:ext>
     </p:extLst>
   </p:cSld>
@@ -755,61 +827,18 @@
           <a:p>
             <a:r>
               <a:rPr lang="pt-PT" dirty="0"/>
-              <a:t>&gt;&gt; apresentação geral das funcionalidades do componente.</a:t>
+              <a:t>Ponto 1: salientar que a existência dos outros módulos por estarmos a trabalhar em conjunto com outro projeto</a:t>
             </a:r>
             <a:br>
               <a:rPr lang="pt-PT" dirty="0"/>
             </a:br>
-            <a:r>
-              <a:rPr lang="pt-PT" dirty="0"/>
-              <a:t>Ponto 1.1 – dizer que vem do </a:t>
-            </a:r>
-            <a:r>
-              <a:rPr lang="pt-PT" dirty="0" err="1"/>
-              <a:t>profiler</a:t>
-            </a:r>
-            <a:r>
-              <a:rPr lang="pt-PT" dirty="0"/>
-              <a:t>(?) e definir “informação útil” (dados do aluno como performance, se acertou ou errou ultima pergunta,…)</a:t>
-            </a:r>
-          </a:p>
-          <a:p>
-            <a:r>
-              <a:rPr lang="pt-PT" dirty="0"/>
-              <a:t>Ponto 1.2 – explicar que recebemos padrão em </a:t>
-            </a:r>
-            <a:r>
-              <a:rPr lang="pt-PT" dirty="0" err="1"/>
-              <a:t>json</a:t>
-            </a:r>
-            <a:r>
-              <a:rPr lang="pt-PT" dirty="0"/>
-              <a:t>, convertemos os valores do padrão noutros valores, segundo os intervalos estabelecidos por nós.</a:t>
-            </a:r>
-          </a:p>
-          <a:p>
-            <a:r>
-              <a:rPr lang="pt-PT" dirty="0"/>
-              <a:t>Ponto 1.3 – explicar que analisamos esses valores e testamos contra as regras estabelecidas por nós, respetivas a cada um dos </a:t>
-            </a:r>
-            <a:r>
-              <a:rPr lang="pt-PT" dirty="0" err="1"/>
-              <a:t>dominios</a:t>
-            </a:r>
-            <a:r>
-              <a:rPr lang="pt-PT" dirty="0"/>
-              <a:t>.</a:t>
-            </a:r>
-          </a:p>
-          <a:p>
-            <a:r>
-              <a:rPr lang="pt-PT" dirty="0"/>
-              <a:t>Ponto 1.4 – dizer que a regra acionada (cujas condições são satisfeitas pelos valores) vai ditar qual o tipo de frase a apresentar ao utilizador</a:t>
-            </a:r>
             <a:br>
               <a:rPr lang="pt-PT" dirty="0"/>
             </a:br>
-            <a:endParaRPr lang="pt-PT" dirty="0"/>
+            <a:r>
+              <a:rPr lang="pt-PT" dirty="0"/>
+              <a:t>Ponto 2: exemplificar domínio e subdomínio</a:t>
+            </a:r>
           </a:p>
         </p:txBody>
       </p:sp>
@@ -830,7 +859,7 @@
           <a:p>
             <a:fld id="{F9C76EEC-3DB8-4814-A8C5-185DA6C5A9E9}" type="slidenum">
               <a:rPr lang="pt-PT" smtClean="0"/>
-              <a:t>6</a:t>
+              <a:t>5</a:t>
             </a:fld>
             <a:endParaRPr lang="pt-PT"/>
           </a:p>
@@ -839,7 +868,7 @@
     </p:spTree>
     <p:extLst>
       <p:ext uri="{BB962C8B-B14F-4D97-AF65-F5344CB8AC3E}">
-        <p14:creationId xmlns:p14="http://schemas.microsoft.com/office/powerpoint/2010/main" val="1112323880"/>
+        <p14:creationId xmlns:p14="http://schemas.microsoft.com/office/powerpoint/2010/main" val="1200589705"/>
       </p:ext>
     </p:extLst>
   </p:cSld>
@@ -895,13 +924,14 @@
           <a:p>
             <a:r>
               <a:rPr lang="pt-PT" dirty="0"/>
-              <a:t>&gt;&gt; descrição de como o componente atua dentro do sistema global </a:t>
-            </a:r>
-          </a:p>
-          <a:p>
-            <a:r>
-              <a:rPr lang="pt-PT" dirty="0"/>
-              <a:t>----dizer que não tratamos de ir buscar as perguntas da matéria à BD nem somos o </a:t>
+              <a:t>&gt;&gt; apresentação geral das funcionalidades do componente.</a:t>
+            </a:r>
+            <a:br>
+              <a:rPr lang="pt-PT" dirty="0"/>
+            </a:br>
+            <a:r>
+              <a:rPr lang="pt-PT" dirty="0"/>
+              <a:t>Ponto 1.1 – dizer que vem do </a:t>
             </a:r>
             <a:r>
               <a:rPr lang="pt-PT" dirty="0" err="1"/>
@@ -909,23 +939,45 @@
             </a:r>
             <a:r>
               <a:rPr lang="pt-PT" dirty="0"/>
-              <a:t>, apenas somos responsáveis pelas frases de diálogo com o aluno</a:t>
-            </a:r>
-          </a:p>
-          <a:p>
-            <a:r>
-              <a:rPr lang="pt-PT" dirty="0"/>
-              <a:t>&gt;&gt; arquitetura básica do componente e sua interação com os outros módulos</a:t>
+              <a:t>(?) e definir “informação útil” (dados do aluno como performance, se acertou ou errou ultima pergunta,…)</a:t>
+            </a:r>
+          </a:p>
+          <a:p>
+            <a:r>
+              <a:rPr lang="pt-PT" dirty="0"/>
+              <a:t>Ponto 1.2 – explicar que recebemos padrão em </a:t>
+            </a:r>
+            <a:r>
+              <a:rPr lang="pt-PT" dirty="0" err="1"/>
+              <a:t>json</a:t>
+            </a:r>
+            <a:r>
+              <a:rPr lang="pt-PT" dirty="0"/>
+              <a:t>, convertemos os valores do padrão noutros valores, segundo os intervalos estabelecidos por nós.</a:t>
+            </a:r>
+          </a:p>
+          <a:p>
+            <a:r>
+              <a:rPr lang="pt-PT" dirty="0"/>
+              <a:t>Ponto 1.3 – explicar que analisamos esses valores e testamos contra as regras estabelecidas por nós, respetivas a cada um dos </a:t>
+            </a:r>
+            <a:r>
+              <a:rPr lang="pt-PT" dirty="0" err="1"/>
+              <a:t>dominios</a:t>
+            </a:r>
+            <a:r>
+              <a:rPr lang="pt-PT" dirty="0"/>
+              <a:t>.</a:t>
+            </a:r>
+          </a:p>
+          <a:p>
+            <a:r>
+              <a:rPr lang="pt-PT" dirty="0"/>
+              <a:t>Ponto 1.4 – dizer que a regra acionada (cujas condições são satisfeitas pelos valores) vai ditar qual o tipo de frase a apresentar ao utilizador</a:t>
             </a:r>
             <a:br>
               <a:rPr lang="pt-PT" dirty="0"/>
             </a:br>
-            <a:r>
-              <a:rPr lang="pt-PT" dirty="0"/>
-              <a:t>----imagem</a:t>
-            </a:r>
-          </a:p>
-          <a:p>
             <a:endParaRPr lang="pt-PT" dirty="0"/>
           </a:p>
         </p:txBody>
@@ -947,7 +999,7 @@
           <a:p>
             <a:fld id="{F9C76EEC-3DB8-4814-A8C5-185DA6C5A9E9}" type="slidenum">
               <a:rPr lang="pt-PT" smtClean="0"/>
-              <a:t>7</a:t>
+              <a:t>6</a:t>
             </a:fld>
             <a:endParaRPr lang="pt-PT"/>
           </a:p>
@@ -956,7 +1008,7 @@
     </p:spTree>
     <p:extLst>
       <p:ext uri="{BB962C8B-B14F-4D97-AF65-F5344CB8AC3E}">
-        <p14:creationId xmlns:p14="http://schemas.microsoft.com/office/powerpoint/2010/main" val="3339019805"/>
+        <p14:creationId xmlns:p14="http://schemas.microsoft.com/office/powerpoint/2010/main" val="1112323880"/>
       </p:ext>
     </p:extLst>
   </p:cSld>
@@ -1012,67 +1064,34 @@
           <a:p>
             <a:r>
               <a:rPr lang="pt-PT" dirty="0"/>
-              <a:t>&gt;&gt; apresentação de um pequeno excerto da base de dados das frases e da sua informação de suporte.</a:t>
-            </a:r>
-          </a:p>
-          <a:p>
-            <a:r>
-              <a:rPr lang="pt-PT" dirty="0"/>
-              <a:t>&gt;&gt; exemplo de um diálogo suportado pelo sistema.</a:t>
-            </a:r>
-          </a:p>
-          <a:p>
-            <a:r>
-              <a:rPr lang="pt-PT" dirty="0"/>
-              <a:t>&gt;&gt; explicar </a:t>
+              <a:t>&gt;&gt; descrição de como o componente atua dentro do sistema global </a:t>
+            </a:r>
+          </a:p>
+          <a:p>
+            <a:r>
+              <a:rPr lang="pt-PT" dirty="0"/>
+              <a:t>----dizer que não tratamos de ir buscar as perguntas da matéria à BD nem somos o </a:t>
             </a:r>
             <a:r>
               <a:rPr lang="pt-PT" dirty="0" err="1"/>
-              <a:t>tags</a:t>
-            </a:r>
-            <a:r>
-              <a:rPr lang="pt-PT" dirty="0"/>
-              <a:t> (</a:t>
-            </a:r>
-            <a:r>
-              <a:rPr lang="pt-PT" dirty="0" err="1"/>
-              <a:t>greetings</a:t>
-            </a:r>
-            <a:r>
-              <a:rPr lang="pt-PT" dirty="0"/>
-              <a:t>, </a:t>
-            </a:r>
-            <a:r>
-              <a:rPr lang="pt-PT" dirty="0" err="1"/>
-              <a:t>funny</a:t>
-            </a:r>
-            <a:r>
-              <a:rPr lang="pt-PT" dirty="0"/>
-              <a:t>, </a:t>
-            </a:r>
-            <a:r>
-              <a:rPr lang="pt-PT" dirty="0" err="1"/>
-              <a:t>phrase</a:t>
-            </a:r>
-            <a:r>
-              <a:rPr lang="pt-PT" dirty="0"/>
-              <a:t>, </a:t>
-            </a:r>
-            <a:r>
-              <a:rPr lang="pt-PT" dirty="0" err="1"/>
-              <a:t>counter</a:t>
-            </a:r>
-            <a:r>
-              <a:rPr lang="pt-PT" dirty="0"/>
-              <a:t>, </a:t>
-            </a:r>
-            <a:r>
-              <a:rPr lang="pt-PT" dirty="0" err="1"/>
-              <a:t>answer</a:t>
-            </a:r>
-            <a:r>
-              <a:rPr lang="pt-PT" dirty="0"/>
-              <a:t>…)</a:t>
+              <a:t>profiler</a:t>
+            </a:r>
+            <a:r>
+              <a:rPr lang="pt-PT" dirty="0"/>
+              <a:t>, apenas somos responsáveis pelas frases de diálogo com o aluno</a:t>
+            </a:r>
+          </a:p>
+          <a:p>
+            <a:r>
+              <a:rPr lang="pt-PT" dirty="0"/>
+              <a:t>&gt;&gt; arquitetura básica do componente e sua interação com os outros módulos</a:t>
+            </a:r>
+            <a:br>
+              <a:rPr lang="pt-PT" dirty="0"/>
+            </a:br>
+            <a:r>
+              <a:rPr lang="pt-PT" dirty="0"/>
+              <a:t>----imagem</a:t>
             </a:r>
           </a:p>
           <a:p>
@@ -1097,7 +1116,7 @@
           <a:p>
             <a:fld id="{F9C76EEC-3DB8-4814-A8C5-185DA6C5A9E9}" type="slidenum">
               <a:rPr lang="pt-PT" smtClean="0"/>
-              <a:t>8</a:t>
+              <a:t>7</a:t>
             </a:fld>
             <a:endParaRPr lang="pt-PT"/>
           </a:p>
@@ -1106,7 +1125,7 @@
     </p:spTree>
     <p:extLst>
       <p:ext uri="{BB962C8B-B14F-4D97-AF65-F5344CB8AC3E}">
-        <p14:creationId xmlns:p14="http://schemas.microsoft.com/office/powerpoint/2010/main" val="2373765445"/>
+        <p14:creationId xmlns:p14="http://schemas.microsoft.com/office/powerpoint/2010/main" val="3339019805"/>
       </p:ext>
     </p:extLst>
   </p:cSld>
@@ -1162,244 +1181,70 @@
           <a:p>
             <a:r>
               <a:rPr lang="pt-PT" dirty="0"/>
-              <a:t>- No </a:t>
+              <a:t>&gt;&gt; apresentação de um pequeno excerto da base de dados das frases e da sua informação de suporte.</a:t>
+            </a:r>
+          </a:p>
+          <a:p>
+            <a:r>
+              <a:rPr lang="pt-PT" dirty="0"/>
+              <a:t>&gt;&gt; exemplo de um diálogo suportado pelo sistema.</a:t>
+            </a:r>
+          </a:p>
+          <a:p>
+            <a:r>
+              <a:rPr lang="pt-PT" dirty="0"/>
+              <a:t>&gt;&gt; explicar </a:t>
             </a:r>
             <a:r>
               <a:rPr lang="pt-PT" dirty="0" err="1"/>
-              <a:t>python</a:t>
-            </a:r>
-            <a:r>
-              <a:rPr lang="pt-PT" dirty="0"/>
-              <a:t> falar do script para geração de frases, com cadeias de </a:t>
+              <a:t>tags</a:t>
+            </a:r>
+            <a:r>
+              <a:rPr lang="pt-PT" dirty="0"/>
+              <a:t> (</a:t>
             </a:r>
             <a:r>
               <a:rPr lang="pt-PT" dirty="0" err="1"/>
-              <a:t>Markov</a:t>
-            </a:r>
-            <a:r>
-              <a:rPr lang="pt-PT" dirty="0"/>
-              <a:t> e utilização de NLTK para processamento de frases (separar por palavras)</a:t>
-            </a:r>
-          </a:p>
-          <a:p>
-            <a:pPr marL="171450" indent="-171450">
-              <a:buFontTx/>
-              <a:buChar char="-"/>
-            </a:pPr>
+              <a:t>greetings</a:t>
+            </a:r>
+            <a:r>
+              <a:rPr lang="pt-PT" dirty="0"/>
+              <a:t>, </a:t>
+            </a:r>
             <a:r>
               <a:rPr lang="pt-PT" dirty="0" err="1"/>
-              <a:t>Sentence</a:t>
-            </a:r>
-            <a:r>
-              <a:rPr lang="pt-PT" dirty="0"/>
-              <a:t> </a:t>
+              <a:t>funny</a:t>
+            </a:r>
+            <a:r>
+              <a:rPr lang="pt-PT" dirty="0"/>
+              <a:t>, </a:t>
             </a:r>
             <a:r>
               <a:rPr lang="pt-PT" dirty="0" err="1"/>
-              <a:t>generator</a:t>
-            </a:r>
-            <a:r>
-              <a:rPr lang="pt-PT" dirty="0"/>
-              <a:t> </a:t>
+              <a:t>phrase</a:t>
+            </a:r>
+            <a:r>
+              <a:rPr lang="pt-PT" dirty="0"/>
+              <a:t>, </a:t>
             </a:r>
             <a:r>
               <a:rPr lang="pt-PT" dirty="0" err="1"/>
-              <a:t>with</a:t>
-            </a:r>
-            <a:r>
-              <a:rPr lang="pt-PT" dirty="0"/>
-              <a:t> </a:t>
+              <a:t>counter</a:t>
+            </a:r>
+            <a:r>
+              <a:rPr lang="pt-PT" dirty="0"/>
+              <a:t>, </a:t>
             </a:r>
             <a:r>
               <a:rPr lang="pt-PT" dirty="0" err="1"/>
-              <a:t>Markov</a:t>
-            </a:r>
-            <a:r>
-              <a:rPr lang="pt-PT" dirty="0"/>
-              <a:t> </a:t>
-            </a:r>
-            <a:r>
-              <a:rPr lang="pt-PT" dirty="0" err="1"/>
-              <a:t>chains</a:t>
-            </a:r>
-            <a:r>
-              <a:rPr lang="pt-PT" dirty="0"/>
-              <a:t>: o programa </a:t>
-            </a:r>
-            <a:r>
-              <a:rPr lang="pt-PT" sz="1200" b="0" i="0" kern="1200" dirty="0">
-                <a:solidFill>
-                  <a:schemeClr val="tx1"/>
-                </a:solidFill>
-                <a:effectLst/>
-                <a:latin typeface="+mn-lt"/>
-                <a:ea typeface="+mn-ea"/>
-                <a:cs typeface="+mn-cs"/>
-              </a:rPr>
-              <a:t>cria um dicionário com as palavras, recebidas de um </a:t>
-            </a:r>
-            <a:r>
-              <a:rPr lang="pt-PT" sz="1200" b="0" i="0" kern="1200" dirty="0" err="1">
-                <a:solidFill>
-                  <a:schemeClr val="tx1"/>
-                </a:solidFill>
-                <a:effectLst/>
-                <a:latin typeface="+mn-lt"/>
-                <a:ea typeface="+mn-ea"/>
-                <a:cs typeface="+mn-cs"/>
-              </a:rPr>
-              <a:t>dataset</a:t>
-            </a:r>
-            <a:r>
-              <a:rPr lang="pt-PT" sz="1200" b="0" i="0" kern="1200" dirty="0">
-                <a:solidFill>
-                  <a:schemeClr val="tx1"/>
-                </a:solidFill>
-                <a:effectLst/>
-                <a:latin typeface="+mn-lt"/>
-                <a:ea typeface="+mn-ea"/>
-                <a:cs typeface="+mn-cs"/>
-              </a:rPr>
-              <a:t> com frases, e a palavra que vem a seguir, e depois aplica cadeias de </a:t>
-            </a:r>
-            <a:r>
-              <a:rPr lang="pt-PT" sz="1200" b="0" i="0" kern="1200" dirty="0" err="1">
-                <a:solidFill>
-                  <a:schemeClr val="tx1"/>
-                </a:solidFill>
-                <a:effectLst/>
-                <a:latin typeface="+mn-lt"/>
-                <a:ea typeface="+mn-ea"/>
-                <a:cs typeface="+mn-cs"/>
-              </a:rPr>
-              <a:t>Markov</a:t>
-            </a:r>
-            <a:r>
-              <a:rPr lang="pt-PT" sz="1200" b="0" i="0" kern="1200" dirty="0">
-                <a:solidFill>
-                  <a:schemeClr val="tx1"/>
-                </a:solidFill>
-                <a:effectLst/>
-                <a:latin typeface="+mn-lt"/>
-                <a:ea typeface="+mn-ea"/>
-                <a:cs typeface="+mn-cs"/>
-              </a:rPr>
-              <a:t> sobre essa informação tentando fazer frases que fazem sentido. As cadeias de </a:t>
-            </a:r>
-            <a:r>
-              <a:rPr lang="pt-PT" sz="1200" b="0" i="0" kern="1200" dirty="0" err="1">
-                <a:solidFill>
-                  <a:schemeClr val="tx1"/>
-                </a:solidFill>
-                <a:effectLst/>
-                <a:latin typeface="+mn-lt"/>
-                <a:ea typeface="+mn-ea"/>
-                <a:cs typeface="+mn-cs"/>
-              </a:rPr>
-              <a:t>Markov</a:t>
-            </a:r>
-            <a:r>
-              <a:rPr lang="pt-PT" sz="1200" b="0" i="0" kern="1200" dirty="0">
-                <a:solidFill>
-                  <a:schemeClr val="tx1"/>
-                </a:solidFill>
-                <a:effectLst/>
-                <a:latin typeface="+mn-lt"/>
-                <a:ea typeface="+mn-ea"/>
-                <a:cs typeface="+mn-cs"/>
-              </a:rPr>
-              <a:t> são uteis para prever o estado futuro com base nas características do estado presente. Assim , o programa utiliza e analisa as frases de um </a:t>
-            </a:r>
-            <a:r>
-              <a:rPr lang="pt-PT" sz="1200" b="0" i="0" kern="1200" dirty="0" err="1">
-                <a:solidFill>
-                  <a:schemeClr val="tx1"/>
-                </a:solidFill>
-                <a:effectLst/>
-                <a:latin typeface="+mn-lt"/>
-                <a:ea typeface="+mn-ea"/>
-                <a:cs typeface="+mn-cs"/>
-              </a:rPr>
-              <a:t>dataset</a:t>
-            </a:r>
-            <a:r>
-              <a:rPr lang="pt-PT" sz="1200" b="0" i="0" kern="1200" dirty="0">
-                <a:solidFill>
-                  <a:schemeClr val="tx1"/>
-                </a:solidFill>
-                <a:effectLst/>
-                <a:latin typeface="+mn-lt"/>
-                <a:ea typeface="+mn-ea"/>
-                <a:cs typeface="+mn-cs"/>
-              </a:rPr>
-              <a:t> inicial e, a partir dai, tenta prever e gerar novas frases. Utiliza as cadeiras de </a:t>
-            </a:r>
-            <a:r>
-              <a:rPr lang="pt-PT" sz="1200" b="0" i="0" kern="1200" dirty="0" err="1">
-                <a:solidFill>
-                  <a:schemeClr val="tx1"/>
-                </a:solidFill>
-                <a:effectLst/>
-                <a:latin typeface="+mn-lt"/>
-                <a:ea typeface="+mn-ea"/>
-                <a:cs typeface="+mn-cs"/>
-              </a:rPr>
-              <a:t>markov</a:t>
-            </a:r>
-            <a:r>
-              <a:rPr lang="pt-PT" sz="1200" b="0" i="0" kern="1200" dirty="0">
-                <a:solidFill>
-                  <a:schemeClr val="tx1"/>
-                </a:solidFill>
-                <a:effectLst/>
-                <a:latin typeface="+mn-lt"/>
-                <a:ea typeface="+mn-ea"/>
-                <a:cs typeface="+mn-cs"/>
-              </a:rPr>
-              <a:t> para prever quais as sequências de palavras mais adequadas que precedem a um outro conjunto de palavras.</a:t>
-            </a:r>
-          </a:p>
-          <a:p>
-            <a:pPr marL="171450" indent="-171450">
-              <a:buFontTx/>
-              <a:buChar char="-"/>
-            </a:pPr>
-            <a:r>
-              <a:rPr lang="pt-PT" sz="1200" b="0" i="0" kern="1200" dirty="0">
-                <a:solidFill>
-                  <a:schemeClr val="tx1"/>
-                </a:solidFill>
-                <a:effectLst/>
-                <a:latin typeface="+mn-lt"/>
-                <a:ea typeface="+mn-ea"/>
-                <a:cs typeface="+mn-cs"/>
-              </a:rPr>
-              <a:t>Cadeias de </a:t>
-            </a:r>
-            <a:r>
-              <a:rPr lang="pt-PT" sz="1200" b="0" i="0" kern="1200" dirty="0" err="1">
-                <a:solidFill>
-                  <a:schemeClr val="tx1"/>
-                </a:solidFill>
-                <a:effectLst/>
-                <a:latin typeface="+mn-lt"/>
-                <a:ea typeface="+mn-ea"/>
-                <a:cs typeface="+mn-cs"/>
-              </a:rPr>
-              <a:t>Markov</a:t>
-            </a:r>
-            <a:r>
-              <a:rPr lang="pt-PT" sz="1200" b="0" i="0" kern="1200" dirty="0">
-                <a:solidFill>
-                  <a:schemeClr val="tx1"/>
-                </a:solidFill>
-                <a:effectLst/>
-                <a:latin typeface="+mn-lt"/>
-                <a:ea typeface="+mn-ea"/>
-                <a:cs typeface="+mn-cs"/>
-              </a:rPr>
-              <a:t> são, por isso, bastante utilizadas neste tipo de situações!</a:t>
-            </a:r>
+              <a:t>answer</a:t>
+            </a:r>
+            <a:r>
+              <a:rPr lang="pt-PT" dirty="0"/>
+              <a:t>…)</a:t>
+            </a:r>
+          </a:p>
+          <a:p>
             <a:endParaRPr lang="pt-PT" dirty="0"/>
           </a:p>
         </p:txBody>
@@ -1421,7 +1266,7 @@
           <a:p>
             <a:fld id="{F9C76EEC-3DB8-4814-A8C5-185DA6C5A9E9}" type="slidenum">
               <a:rPr lang="pt-PT" smtClean="0"/>
-              <a:t>9</a:t>
+              <a:t>8</a:t>
             </a:fld>
             <a:endParaRPr lang="pt-PT"/>
           </a:p>
@@ -1430,7 +1275,7 @@
     </p:spTree>
     <p:extLst>
       <p:ext uri="{BB962C8B-B14F-4D97-AF65-F5344CB8AC3E}">
-        <p14:creationId xmlns:p14="http://schemas.microsoft.com/office/powerpoint/2010/main" val="3154484066"/>
+        <p14:creationId xmlns:p14="http://schemas.microsoft.com/office/powerpoint/2010/main" val="2373765445"/>
       </p:ext>
     </p:extLst>
   </p:cSld>
@@ -1486,6 +1331,330 @@
           <a:p>
             <a:r>
               <a:rPr lang="pt-PT" dirty="0"/>
+              <a:t>- No </a:t>
+            </a:r>
+            <a:r>
+              <a:rPr lang="pt-PT" dirty="0" err="1"/>
+              <a:t>python</a:t>
+            </a:r>
+            <a:r>
+              <a:rPr lang="pt-PT" dirty="0"/>
+              <a:t> falar do script para geração de frases, com cadeias de </a:t>
+            </a:r>
+            <a:r>
+              <a:rPr lang="pt-PT" dirty="0" err="1"/>
+              <a:t>Markov</a:t>
+            </a:r>
+            <a:r>
+              <a:rPr lang="pt-PT" dirty="0"/>
+              <a:t> e utilização de NLTK para processamento de frases (separar por palavras)</a:t>
+            </a:r>
+          </a:p>
+          <a:p>
+            <a:pPr marL="171450" indent="-171450">
+              <a:buFontTx/>
+              <a:buChar char="-"/>
+            </a:pPr>
+            <a:r>
+              <a:rPr lang="pt-PT" dirty="0" err="1"/>
+              <a:t>Sentence</a:t>
+            </a:r>
+            <a:r>
+              <a:rPr lang="pt-PT" dirty="0"/>
+              <a:t> </a:t>
+            </a:r>
+            <a:r>
+              <a:rPr lang="pt-PT" dirty="0" err="1"/>
+              <a:t>generator</a:t>
+            </a:r>
+            <a:r>
+              <a:rPr lang="pt-PT" dirty="0"/>
+              <a:t> </a:t>
+            </a:r>
+            <a:r>
+              <a:rPr lang="pt-PT" dirty="0" err="1"/>
+              <a:t>with</a:t>
+            </a:r>
+            <a:r>
+              <a:rPr lang="pt-PT" dirty="0"/>
+              <a:t> </a:t>
+            </a:r>
+            <a:r>
+              <a:rPr lang="pt-PT" dirty="0" err="1"/>
+              <a:t>Markov</a:t>
+            </a:r>
+            <a:r>
+              <a:rPr lang="pt-PT" dirty="0"/>
+              <a:t> </a:t>
+            </a:r>
+            <a:r>
+              <a:rPr lang="pt-PT" dirty="0" err="1"/>
+              <a:t>chains</a:t>
+            </a:r>
+            <a:r>
+              <a:rPr lang="pt-PT" dirty="0"/>
+              <a:t>: o programa </a:t>
+            </a:r>
+            <a:r>
+              <a:rPr lang="pt-PT" sz="1200" b="0" i="0" kern="1200" dirty="0">
+                <a:solidFill>
+                  <a:schemeClr val="tx1"/>
+                </a:solidFill>
+                <a:effectLst/>
+                <a:latin typeface="+mn-lt"/>
+                <a:ea typeface="+mn-ea"/>
+                <a:cs typeface="+mn-cs"/>
+              </a:rPr>
+              <a:t>cria um dicionário com as palavras, recebidas de um </a:t>
+            </a:r>
+            <a:r>
+              <a:rPr lang="pt-PT" sz="1200" b="0" i="0" kern="1200" dirty="0" err="1">
+                <a:solidFill>
+                  <a:schemeClr val="tx1"/>
+                </a:solidFill>
+                <a:effectLst/>
+                <a:latin typeface="+mn-lt"/>
+                <a:ea typeface="+mn-ea"/>
+                <a:cs typeface="+mn-cs"/>
+              </a:rPr>
+              <a:t>dataset</a:t>
+            </a:r>
+            <a:r>
+              <a:rPr lang="pt-PT" sz="1200" b="0" i="0" kern="1200" dirty="0">
+                <a:solidFill>
+                  <a:schemeClr val="tx1"/>
+                </a:solidFill>
+                <a:effectLst/>
+                <a:latin typeface="+mn-lt"/>
+                <a:ea typeface="+mn-ea"/>
+                <a:cs typeface="+mn-cs"/>
+              </a:rPr>
+              <a:t> com frases, e a palavra que vem a seguir, e depois aplica cadeias de </a:t>
+            </a:r>
+            <a:r>
+              <a:rPr lang="pt-PT" sz="1200" b="0" i="0" kern="1200" dirty="0" err="1">
+                <a:solidFill>
+                  <a:schemeClr val="tx1"/>
+                </a:solidFill>
+                <a:effectLst/>
+                <a:latin typeface="+mn-lt"/>
+                <a:ea typeface="+mn-ea"/>
+                <a:cs typeface="+mn-cs"/>
+              </a:rPr>
+              <a:t>Markov</a:t>
+            </a:r>
+            <a:r>
+              <a:rPr lang="pt-PT" sz="1200" b="0" i="0" kern="1200" dirty="0">
+                <a:solidFill>
+                  <a:schemeClr val="tx1"/>
+                </a:solidFill>
+                <a:effectLst/>
+                <a:latin typeface="+mn-lt"/>
+                <a:ea typeface="+mn-ea"/>
+                <a:cs typeface="+mn-cs"/>
+              </a:rPr>
+              <a:t> sobre essa informação tentando fazer frases que fazem sentido. As cadeias de </a:t>
+            </a:r>
+            <a:r>
+              <a:rPr lang="pt-PT" sz="1200" b="0" i="0" kern="1200" dirty="0" err="1">
+                <a:solidFill>
+                  <a:schemeClr val="tx1"/>
+                </a:solidFill>
+                <a:effectLst/>
+                <a:latin typeface="+mn-lt"/>
+                <a:ea typeface="+mn-ea"/>
+                <a:cs typeface="+mn-cs"/>
+              </a:rPr>
+              <a:t>Markov</a:t>
+            </a:r>
+            <a:r>
+              <a:rPr lang="pt-PT" sz="1200" b="0" i="0" kern="1200" dirty="0">
+                <a:solidFill>
+                  <a:schemeClr val="tx1"/>
+                </a:solidFill>
+                <a:effectLst/>
+                <a:latin typeface="+mn-lt"/>
+                <a:ea typeface="+mn-ea"/>
+                <a:cs typeface="+mn-cs"/>
+              </a:rPr>
+              <a:t> são uteis para prever o estado futuro com base nas características do estado presente. Assim , o programa utiliza e analisa as frases de um </a:t>
+            </a:r>
+            <a:r>
+              <a:rPr lang="pt-PT" sz="1200" b="0" i="0" kern="1200" dirty="0" err="1">
+                <a:solidFill>
+                  <a:schemeClr val="tx1"/>
+                </a:solidFill>
+                <a:effectLst/>
+                <a:latin typeface="+mn-lt"/>
+                <a:ea typeface="+mn-ea"/>
+                <a:cs typeface="+mn-cs"/>
+              </a:rPr>
+              <a:t>dataset</a:t>
+            </a:r>
+            <a:r>
+              <a:rPr lang="pt-PT" sz="1200" b="0" i="0" kern="1200" dirty="0">
+                <a:solidFill>
+                  <a:schemeClr val="tx1"/>
+                </a:solidFill>
+                <a:effectLst/>
+                <a:latin typeface="+mn-lt"/>
+                <a:ea typeface="+mn-ea"/>
+                <a:cs typeface="+mn-cs"/>
+              </a:rPr>
+              <a:t> inicial e, a partir dai, tenta prever e gerar novas frases. Utiliza as cadeiras de </a:t>
+            </a:r>
+            <a:r>
+              <a:rPr lang="pt-PT" sz="1200" b="0" i="0" kern="1200" dirty="0" err="1">
+                <a:solidFill>
+                  <a:schemeClr val="tx1"/>
+                </a:solidFill>
+                <a:effectLst/>
+                <a:latin typeface="+mn-lt"/>
+                <a:ea typeface="+mn-ea"/>
+                <a:cs typeface="+mn-cs"/>
+              </a:rPr>
+              <a:t>markov</a:t>
+            </a:r>
+            <a:r>
+              <a:rPr lang="pt-PT" sz="1200" b="0" i="0" kern="1200" dirty="0">
+                <a:solidFill>
+                  <a:schemeClr val="tx1"/>
+                </a:solidFill>
+                <a:effectLst/>
+                <a:latin typeface="+mn-lt"/>
+                <a:ea typeface="+mn-ea"/>
+                <a:cs typeface="+mn-cs"/>
+              </a:rPr>
+              <a:t> para prever quais as sequências de palavras mais adequadas que precedem a um outro conjunto de palavras.</a:t>
+            </a:r>
+          </a:p>
+          <a:p>
+            <a:pPr marL="171450" indent="-171450">
+              <a:buFontTx/>
+              <a:buChar char="-"/>
+            </a:pPr>
+            <a:r>
+              <a:rPr lang="pt-PT" sz="1200" b="0" i="0" kern="1200" dirty="0">
+                <a:solidFill>
+                  <a:schemeClr val="tx1"/>
+                </a:solidFill>
+                <a:effectLst/>
+                <a:latin typeface="+mn-lt"/>
+                <a:ea typeface="+mn-ea"/>
+                <a:cs typeface="+mn-cs"/>
+              </a:rPr>
+              <a:t>Cadeias de </a:t>
+            </a:r>
+            <a:r>
+              <a:rPr lang="pt-PT" sz="1200" b="0" i="0" kern="1200" dirty="0" err="1">
+                <a:solidFill>
+                  <a:schemeClr val="tx1"/>
+                </a:solidFill>
+                <a:effectLst/>
+                <a:latin typeface="+mn-lt"/>
+                <a:ea typeface="+mn-ea"/>
+                <a:cs typeface="+mn-cs"/>
+              </a:rPr>
+              <a:t>Markov</a:t>
+            </a:r>
+            <a:r>
+              <a:rPr lang="pt-PT" sz="1200" b="0" i="0" kern="1200" dirty="0">
+                <a:solidFill>
+                  <a:schemeClr val="tx1"/>
+                </a:solidFill>
+                <a:effectLst/>
+                <a:latin typeface="+mn-lt"/>
+                <a:ea typeface="+mn-ea"/>
+                <a:cs typeface="+mn-cs"/>
+              </a:rPr>
+              <a:t> são, por isso, bastante utilizadas neste tipo de situações!</a:t>
+            </a:r>
+            <a:endParaRPr lang="pt-PT" dirty="0"/>
+          </a:p>
+        </p:txBody>
+      </p:sp>
+      <p:sp>
+        <p:nvSpPr>
+          <p:cNvPr id="4" name="Marcador de Posição do Número do Diapositivo 3"/>
+          <p:cNvSpPr>
+            <a:spLocks noGrp="1"/>
+          </p:cNvSpPr>
+          <p:nvPr>
+            <p:ph type="sldNum" sz="quarter" idx="5"/>
+          </p:nvPr>
+        </p:nvSpPr>
+        <p:spPr/>
+        <p:txBody>
+          <a:bodyPr/>
+          <a:lstStyle/>
+          <a:p>
+            <a:fld id="{F9C76EEC-3DB8-4814-A8C5-185DA6C5A9E9}" type="slidenum">
+              <a:rPr lang="pt-PT" smtClean="0"/>
+              <a:t>9</a:t>
+            </a:fld>
+            <a:endParaRPr lang="pt-PT"/>
+          </a:p>
+        </p:txBody>
+      </p:sp>
+    </p:spTree>
+    <p:extLst>
+      <p:ext uri="{BB962C8B-B14F-4D97-AF65-F5344CB8AC3E}">
+        <p14:creationId xmlns:p14="http://schemas.microsoft.com/office/powerpoint/2010/main" val="3154484066"/>
+      </p:ext>
+    </p:extLst>
+  </p:cSld>
+  <p:clrMapOvr>
+    <a:masterClrMapping/>
+  </p:clrMapOvr>
+</p:notes>
+</file>
+
+<file path=ppt/notesSlides/notesSlide8.xml><?xml version="1.0" encoding="utf-8"?>
+<p:notes xmlns:a="http://schemas.openxmlformats.org/drawingml/2006/main" xmlns:r="http://schemas.openxmlformats.org/officeDocument/2006/relationships" xmlns:p="http://schemas.openxmlformats.org/presentationml/2006/main">
+  <p:cSld>
+    <p:spTree>
+      <p:nvGrpSpPr>
+        <p:cNvPr id="1" name=""/>
+        <p:cNvGrpSpPr/>
+        <p:nvPr/>
+      </p:nvGrpSpPr>
+      <p:grpSpPr>
+        <a:xfrm>
+          <a:off x="0" y="0"/>
+          <a:ext cx="0" cy="0"/>
+          <a:chOff x="0" y="0"/>
+          <a:chExt cx="0" cy="0"/>
+        </a:xfrm>
+      </p:grpSpPr>
+      <p:sp>
+        <p:nvSpPr>
+          <p:cNvPr id="2" name="Marcador de Posição da Imagem do Diapositivo 1"/>
+          <p:cNvSpPr>
+            <a:spLocks noGrp="1" noRot="1" noChangeAspect="1"/>
+          </p:cNvSpPr>
+          <p:nvPr>
+            <p:ph type="sldImg"/>
+          </p:nvPr>
+        </p:nvSpPr>
+        <p:spPr/>
+      </p:sp>
+      <p:sp>
+        <p:nvSpPr>
+          <p:cNvPr id="3" name="Marcador de Posição de Notas 2"/>
+          <p:cNvSpPr>
+            <a:spLocks noGrp="1"/>
+          </p:cNvSpPr>
+          <p:nvPr>
+            <p:ph type="body" idx="1"/>
+          </p:nvPr>
+        </p:nvSpPr>
+        <p:spPr/>
+        <p:txBody>
+          <a:bodyPr/>
+          <a:lstStyle/>
+          <a:p>
+            <a:r>
+              <a:rPr lang="pt-PT" dirty="0"/>
               <a:t>Ponto 2.1 – falar q </a:t>
             </a:r>
             <a:r>
@@ -1508,13 +1677,12 @@
             </a:r>
           </a:p>
           <a:p>
-            <a:r>
-              <a:rPr lang="pt-PT"/>
-              <a:t>                – </a:t>
-            </a:r>
-            <a:r>
-              <a:rPr lang="pt-PT" dirty="0"/>
-              <a:t>dizer que é supervisionada para já ?</a:t>
+            <a:endParaRPr lang="pt-PT" dirty="0"/>
+          </a:p>
+          <a:p>
+            <a:r>
+              <a:rPr lang="pt-PT" dirty="0"/>
+              <a:t>Ponto 2.3 – dizer que é supervisionada para já ?</a:t>
             </a:r>
             <a:br>
               <a:rPr lang="pt-PT" dirty="0"/>
@@ -1556,6 +1724,130 @@
     <p:extLst>
       <p:ext uri="{BB962C8B-B14F-4D97-AF65-F5344CB8AC3E}">
         <p14:creationId xmlns:p14="http://schemas.microsoft.com/office/powerpoint/2010/main" val="2653281919"/>
+      </p:ext>
+    </p:extLst>
+  </p:cSld>
+  <p:clrMapOvr>
+    <a:masterClrMapping/>
+  </p:clrMapOvr>
+</p:notes>
+</file>
+
+<file path=ppt/notesSlides/notesSlide9.xml><?xml version="1.0" encoding="utf-8"?>
+<p:notes xmlns:a="http://schemas.openxmlformats.org/drawingml/2006/main" xmlns:r="http://schemas.openxmlformats.org/officeDocument/2006/relationships" xmlns:p="http://schemas.openxmlformats.org/presentationml/2006/main">
+  <p:cSld>
+    <p:spTree>
+      <p:nvGrpSpPr>
+        <p:cNvPr id="1" name=""/>
+        <p:cNvGrpSpPr/>
+        <p:nvPr/>
+      </p:nvGrpSpPr>
+      <p:grpSpPr>
+        <a:xfrm>
+          <a:off x="0" y="0"/>
+          <a:ext cx="0" cy="0"/>
+          <a:chOff x="0" y="0"/>
+          <a:chExt cx="0" cy="0"/>
+        </a:xfrm>
+      </p:grpSpPr>
+      <p:sp>
+        <p:nvSpPr>
+          <p:cNvPr id="2" name="Marcador de Posição da Imagem do Diapositivo 1"/>
+          <p:cNvSpPr>
+            <a:spLocks noGrp="1" noRot="1" noChangeAspect="1"/>
+          </p:cNvSpPr>
+          <p:nvPr>
+            <p:ph type="sldImg"/>
+          </p:nvPr>
+        </p:nvSpPr>
+        <p:spPr/>
+      </p:sp>
+      <p:sp>
+        <p:nvSpPr>
+          <p:cNvPr id="3" name="Marcador de Posição de Notas 2"/>
+          <p:cNvSpPr>
+            <a:spLocks noGrp="1"/>
+          </p:cNvSpPr>
+          <p:nvPr>
+            <p:ph type="body" idx="1"/>
+          </p:nvPr>
+        </p:nvSpPr>
+        <p:spPr/>
+        <p:txBody>
+          <a:bodyPr/>
+          <a:lstStyle/>
+          <a:p>
+            <a:r>
+              <a:rPr lang="pt-PT" dirty="0"/>
+              <a:t>Ponto 2.1 – falar q </a:t>
+            </a:r>
+            <a:r>
+              <a:rPr lang="pt-PT" dirty="0" err="1"/>
+              <a:t>mongoDB</a:t>
+            </a:r>
+            <a:r>
+              <a:rPr lang="pt-PT" dirty="0"/>
+              <a:t> e parão alteram constantemente conforme regras e conforme vamos querendo eficiência</a:t>
+            </a:r>
+            <a:br>
+              <a:rPr lang="pt-PT" dirty="0"/>
+            </a:br>
+            <a:endParaRPr lang="pt-PT" dirty="0"/>
+          </a:p>
+          <a:p>
+            <a:r>
+              <a:rPr lang="pt-PT" dirty="0"/>
+              <a:t>Ponto 2.2 – dizer q árvore é o q permite escolher diálogo, com base em destreza e tal</a:t>
+            </a:r>
+          </a:p>
+          <a:p>
+            <a:endParaRPr lang="pt-PT" dirty="0"/>
+          </a:p>
+          <a:p>
+            <a:r>
+              <a:rPr lang="pt-PT" dirty="0"/>
+              <a:t>Ponto 2.3 – dizer que é supervisionada para já ?</a:t>
+            </a:r>
+            <a:br>
+              <a:rPr lang="pt-PT" dirty="0"/>
+            </a:br>
+            <a:br>
+              <a:rPr lang="pt-PT" dirty="0"/>
+            </a:br>
+            <a:r>
+              <a:rPr lang="pt-PT" dirty="0"/>
+              <a:t>Ponto 3 – dizer q basicamente temos que melhorar tudo o que temos acima</a:t>
+            </a:r>
+          </a:p>
+        </p:txBody>
+      </p:sp>
+      <p:sp>
+        <p:nvSpPr>
+          <p:cNvPr id="4" name="Marcador de Posição do Número do Diapositivo 3"/>
+          <p:cNvSpPr>
+            <a:spLocks noGrp="1"/>
+          </p:cNvSpPr>
+          <p:nvPr>
+            <p:ph type="sldNum" sz="quarter" idx="5"/>
+          </p:nvPr>
+        </p:nvSpPr>
+        <p:spPr/>
+        <p:txBody>
+          <a:bodyPr/>
+          <a:lstStyle/>
+          <a:p>
+            <a:fld id="{F9C76EEC-3DB8-4814-A8C5-185DA6C5A9E9}" type="slidenum">
+              <a:rPr lang="pt-PT" smtClean="0"/>
+              <a:t>11</a:t>
+            </a:fld>
+            <a:endParaRPr lang="pt-PT"/>
+          </a:p>
+        </p:txBody>
+      </p:sp>
+    </p:spTree>
+    <p:extLst>
+      <p:ext uri="{BB962C8B-B14F-4D97-AF65-F5344CB8AC3E}">
+        <p14:creationId xmlns:p14="http://schemas.microsoft.com/office/powerpoint/2010/main" val="2155469764"/>
       </p:ext>
     </p:extLst>
   </p:cSld>
@@ -5278,29 +5570,29 @@
             <p:ph type="ctrTitle"/>
           </p:nvPr>
         </p:nvSpPr>
-        <p:spPr/>
-        <p:txBody>
-          <a:bodyPr/>
-          <a:lstStyle/>
-          <a:p>
-            <a:r>
-              <a:rPr lang="pt-PT" b="1" dirty="0">
+        <p:spPr>
+          <a:xfrm>
+            <a:off x="1060209" y="165822"/>
+            <a:ext cx="10058400" cy="3566160"/>
+          </a:xfrm>
+        </p:spPr>
+        <p:txBody>
+          <a:bodyPr>
+            <a:normAutofit/>
+          </a:bodyPr>
+          <a:lstStyle/>
+          <a:p>
+            <a:r>
+              <a:rPr lang="pt-PT" sz="4800" b="1" dirty="0">
                 <a:solidFill>
                   <a:schemeClr val="bg1">
                     <a:lumMod val="50000"/>
                   </a:schemeClr>
                 </a:solidFill>
-                <a:effectLst>
-                  <a:outerShdw blurRad="38100" dist="38100" dir="2700000" algn="tl">
-                    <a:srgbClr val="000000">
-                      <a:alpha val="43137"/>
-                    </a:srgbClr>
-                  </a:outerShdw>
-                </a:effectLst>
               </a:rPr>
-              <a:t>Leonardo</a:t>
-            </a:r>
-            <a:endParaRPr lang="pt-PT" dirty="0"/>
+              <a:t>Conceção e Implementação de um Gestor de Diálogos para um Tutor Artificial</a:t>
+            </a:r>
+            <a:endParaRPr lang="pt-PT" sz="4800" b="1" dirty="0"/>
           </a:p>
         </p:txBody>
       </p:sp>
@@ -5320,25 +5612,23 @@
             <p:ph type="subTitle" idx="1"/>
           </p:nvPr>
         </p:nvSpPr>
-        <p:spPr/>
+        <p:spPr>
+          <a:xfrm>
+            <a:off x="1100051" y="4356761"/>
+            <a:ext cx="10058400" cy="1143000"/>
+          </a:xfrm>
+        </p:spPr>
         <p:txBody>
           <a:bodyPr>
             <a:normAutofit/>
           </a:bodyPr>
           <a:lstStyle/>
           <a:p>
-            <a:r>
-              <a:rPr lang="pt-PT" dirty="0">
-                <a:solidFill>
-                  <a:schemeClr val="bg1">
-                    <a:lumMod val="50000"/>
-                  </a:schemeClr>
-                </a:solidFill>
-              </a:rPr>
-              <a:t>Conceção e Implementação de um Gestor de Diálogos para um Tutor Artificial</a:t>
-            </a:r>
-          </a:p>
-          <a:p>
+            <a:pPr algn="r"/>
+            <a:r>
+              <a:rPr lang="pt-PT" cap="none" dirty="0"/>
+              <a:t>A Iniciativa LEONARDO</a:t>
+            </a:r>
             <a:endParaRPr lang="pt-PT" dirty="0"/>
           </a:p>
         </p:txBody>
@@ -5356,7 +5646,7 @@
           <p:nvPr/>
         </p:nvPicPr>
         <p:blipFill>
-          <a:blip r:embed="rId2" cstate="screen">
+          <a:blip r:embed="rId3" cstate="screen">
             <a:extLst>
               <a:ext uri="{28A0092B-C50C-407E-A947-70E740481C1C}">
                 <a14:useLocalDpi xmlns:a14="http://schemas.microsoft.com/office/drawing/2010/main"/>
@@ -5399,8 +5689,8 @@
         </p:nvSpPr>
         <p:spPr>
           <a:xfrm>
-            <a:off x="2259875" y="106305"/>
-            <a:ext cx="5094514" cy="1200329"/>
+            <a:off x="3001280" y="204747"/>
+            <a:ext cx="6080935" cy="1200329"/>
           </a:xfrm>
           <a:prstGeom prst="rect">
             <a:avLst/>
@@ -5412,31 +5702,6 @@
             <a:spAutoFit/>
           </a:bodyPr>
           <a:lstStyle/>
-          <a:p>
-            <a:r>
-              <a:rPr lang="pt-PT" dirty="0">
-                <a:solidFill>
-                  <a:schemeClr val="bg1">
-                    <a:lumMod val="50000"/>
-                  </a:schemeClr>
-                </a:solidFill>
-              </a:rPr>
-              <a:t>Escola de Engenharia</a:t>
-            </a:r>
-          </a:p>
-          <a:p>
-            <a:pPr hangingPunct="0"/>
-            <a:r>
-              <a:rPr lang="pt-PT" dirty="0">
-                <a:solidFill>
-                  <a:schemeClr val="bg1">
-                    <a:lumMod val="50000"/>
-                  </a:schemeClr>
-                </a:solidFill>
-              </a:rPr>
-              <a:t>Departamento de Informática</a:t>
-            </a:r>
-          </a:p>
           <a:p>
             <a:pPr hangingPunct="0"/>
             <a:r>
@@ -5460,7 +5725,30 @@
                   </a:schemeClr>
                 </a:solidFill>
               </a:rPr>
-              <a:t>Braga, Março de 2019</a:t>
+              <a:t>Unidade Curricular de Laboratório de Engenharia Informática</a:t>
+            </a:r>
+          </a:p>
+          <a:p>
+            <a:pPr hangingPunct="0"/>
+            <a:endParaRPr lang="pt-PT" dirty="0">
+              <a:solidFill>
+                <a:schemeClr val="bg1">
+                  <a:lumMod val="50000"/>
+                </a:schemeClr>
+              </a:solidFill>
+            </a:endParaRPr>
+          </a:p>
+          <a:p>
+            <a:pPr hangingPunct="0"/>
+            <a:r>
+              <a:rPr lang="pt-PT" dirty="0">
+                <a:solidFill>
+                  <a:schemeClr val="bg1">
+                    <a:lumMod val="50000"/>
+                  </a:schemeClr>
+                </a:solidFill>
+              </a:rPr>
+              <a:t>Março de 2019</a:t>
             </a:r>
           </a:p>
         </p:txBody>
@@ -5479,8 +5767,8 @@
         </p:nvSpPr>
         <p:spPr>
           <a:xfrm>
-            <a:off x="8857660" y="5041446"/>
-            <a:ext cx="2298020" cy="954107"/>
+            <a:off x="1134351" y="5016732"/>
+            <a:ext cx="10058400" cy="1046440"/>
           </a:xfrm>
           <a:prstGeom prst="rect">
             <a:avLst/>
@@ -5493,7 +5781,16 @@
           </a:bodyPr>
           <a:lstStyle/>
           <a:p>
-            <a:pPr algn="r"/>
+            <a:r>
+              <a:rPr lang="pt-PT" sz="2400" b="1" dirty="0"/>
+              <a:t>Diana Costa, Gil Cunha e Luís Costa</a:t>
+            </a:r>
+            <a:br>
+              <a:rPr lang="pt-PT" sz="2400" b="1" dirty="0"/>
+            </a:br>
+            <a:endParaRPr lang="pt-PT" sz="2400" b="1" dirty="0"/>
+          </a:p>
+          <a:p>
             <a:r>
               <a:rPr lang="pt-PT" sz="1400" dirty="0">
                 <a:solidFill>
@@ -5502,52 +5799,7 @@
                   </a:schemeClr>
                 </a:solidFill>
               </a:rPr>
-              <a:t>Diana Costa (a78985)</a:t>
-            </a:r>
-          </a:p>
-          <a:p>
-            <a:pPr algn="r"/>
-            <a:r>
-              <a:rPr lang="pt-PT" sz="1400" dirty="0">
-                <a:solidFill>
-                  <a:schemeClr val="bg1">
-                    <a:lumMod val="50000"/>
-                  </a:schemeClr>
-                </a:solidFill>
-              </a:rPr>
-              <a:t>Gil Cunha (a77249)</a:t>
-            </a:r>
-          </a:p>
-          <a:p>
-            <a:pPr algn="r"/>
-            <a:r>
-              <a:rPr lang="pt-PT" sz="1400" dirty="0">
-                <a:solidFill>
-                  <a:schemeClr val="bg1">
-                    <a:lumMod val="50000"/>
-                  </a:schemeClr>
-                </a:solidFill>
-              </a:rPr>
-              <a:t>Luís Costa (a74819)</a:t>
-            </a:r>
-            <a:br>
-              <a:rPr lang="pt-PT" sz="1400" dirty="0">
-                <a:solidFill>
-                  <a:schemeClr val="bg1">
-                    <a:lumMod val="50000"/>
-                  </a:schemeClr>
-                </a:solidFill>
-              </a:rPr>
-            </a:br>
-            <a:r>
-              <a:rPr lang="pt-PT" sz="1400" dirty="0">
-                <a:solidFill>
-                  <a:schemeClr val="bg1">
-                    <a:lumMod val="50000"/>
-                  </a:schemeClr>
-                </a:solidFill>
-              </a:rPr>
-              <a:t>Orientador: Orlando Belo</a:t>
+              <a:t>Orientação de Orlando Belo</a:t>
             </a:r>
             <a:endParaRPr lang="pt-PT" b="1" dirty="0">
               <a:solidFill>
@@ -5563,55 +5815,6 @@
                 </a:outerShdw>
               </a:effectLst>
             </a:endParaRPr>
-          </a:p>
-        </p:txBody>
-      </p:sp>
-      <p:sp>
-        <p:nvSpPr>
-          <p:cNvPr id="11" name="CaixaDeTexto 10">
-            <a:extLst>
-              <a:ext uri="{FF2B5EF4-FFF2-40B4-BE49-F238E27FC236}">
-                <a16:creationId xmlns:a16="http://schemas.microsoft.com/office/drawing/2014/main" id="{B85DD243-9100-494A-BB32-B25C52E2AF13}"/>
-              </a:ext>
-            </a:extLst>
-          </p:cNvPr>
-          <p:cNvSpPr txBox="1"/>
-          <p:nvPr/>
-        </p:nvSpPr>
-        <p:spPr>
-          <a:xfrm>
-            <a:off x="10125100" y="5806660"/>
-            <a:ext cx="1031966" cy="584775"/>
-          </a:xfrm>
-          <a:prstGeom prst="rect">
-            <a:avLst/>
-          </a:prstGeom>
-          <a:noFill/>
-        </p:spPr>
-        <p:txBody>
-          <a:bodyPr wrap="square" rtlCol="0">
-            <a:spAutoFit/>
-          </a:bodyPr>
-          <a:lstStyle/>
-          <a:p>
-            <a:pPr algn="r"/>
-            <a:r>
-              <a:rPr lang="pt-PT" sz="3200" dirty="0">
-                <a:solidFill>
-                  <a:schemeClr val="bg1">
-                    <a:lumMod val="50000"/>
-                  </a:schemeClr>
-                </a:solidFill>
-                <a:effectLst>
-                  <a:outerShdw blurRad="38100" dist="38100" dir="2700000" algn="tl">
-                    <a:srgbClr val="000000">
-                      <a:alpha val="43137"/>
-                    </a:srgbClr>
-                  </a:outerShdw>
-                </a:effectLst>
-              </a:rPr>
-              <a:t>LEI</a:t>
-            </a:r>
           </a:p>
         </p:txBody>
       </p:sp>
@@ -5677,7 +5880,7 @@
                   </a:schemeClr>
                 </a:solidFill>
               </a:rPr>
-              <a:t>Conclusão e Trabalho Futuro</a:t>
+              <a:t>Conclusões</a:t>
             </a:r>
           </a:p>
         </p:txBody>
@@ -5700,13 +5903,13 @@
         </p:nvSpPr>
         <p:spPr>
           <a:xfrm>
-            <a:off x="1097280" y="1964266"/>
+            <a:off x="1171422" y="1964266"/>
             <a:ext cx="10058400" cy="4023360"/>
           </a:xfrm>
         </p:spPr>
         <p:txBody>
           <a:bodyPr>
-            <a:normAutofit lnSpcReduction="10000"/>
+            <a:normAutofit/>
           </a:bodyPr>
           <a:lstStyle/>
           <a:p>
@@ -5784,46 +5987,6 @@
               <a:buNone/>
             </a:pPr>
             <a:endParaRPr lang="pt-PT" dirty="0"/>
-          </a:p>
-          <a:p>
-            <a:pPr>
-              <a:buFont typeface="Wingdings" panose="05000000000000000000" pitchFamily="2" charset="2"/>
-              <a:buChar char="q"/>
-            </a:pPr>
-            <a:r>
-              <a:rPr lang="pt-PT" sz="2200" dirty="0"/>
-              <a:t> Trabalho futuro:</a:t>
-            </a:r>
-          </a:p>
-          <a:p>
-            <a:pPr lvl="1">
-              <a:buFont typeface="Wingdings" panose="05000000000000000000" pitchFamily="2" charset="2"/>
-              <a:buChar char="q"/>
-            </a:pPr>
-            <a:r>
-              <a:rPr lang="pt-PT" dirty="0"/>
-              <a:t> Esboço da árvore de decisão;</a:t>
-            </a:r>
-          </a:p>
-          <a:p>
-            <a:pPr lvl="1">
-              <a:buFont typeface="Wingdings" panose="05000000000000000000" pitchFamily="2" charset="2"/>
-              <a:buChar char="q"/>
-            </a:pPr>
-            <a:r>
-              <a:rPr lang="pt-PT" dirty="0"/>
-              <a:t> Adição e aprimoramento de regras ao motor;</a:t>
-            </a:r>
-          </a:p>
-          <a:p>
-            <a:pPr lvl="1">
-              <a:buFont typeface="Wingdings" panose="05000000000000000000" pitchFamily="2" charset="2"/>
-              <a:buChar char="q"/>
-            </a:pPr>
-            <a:r>
-              <a:rPr lang="pt-PT" dirty="0"/>
-              <a:t> Continuação do desenvolvimento de todos os pontos acima.</a:t>
-            </a:r>
           </a:p>
         </p:txBody>
       </p:sp>
@@ -5865,7 +6028,7 @@
           <p:cNvPr id="2" name="Título 1">
             <a:extLst>
               <a:ext uri="{FF2B5EF4-FFF2-40B4-BE49-F238E27FC236}">
-                <a16:creationId xmlns:a16="http://schemas.microsoft.com/office/drawing/2014/main" id="{7C25BD2A-223B-4886-95F6-197166A45D44}"/>
+                <a16:creationId xmlns:a16="http://schemas.microsoft.com/office/drawing/2014/main" id="{E7F3627F-344B-4BBB-AE8A-D976F33B76F1}"/>
               </a:ext>
             </a:extLst>
           </p:cNvPr>
@@ -5873,7 +6036,7 @@
             <a:spLocks noGrp="1"/>
           </p:cNvSpPr>
           <p:nvPr>
-            <p:ph type="ctrTitle"/>
+            <p:ph type="title"/>
           </p:nvPr>
         </p:nvSpPr>
         <p:spPr/>
@@ -5882,23 +6045,149 @@
           <a:lstStyle/>
           <a:p>
             <a:r>
-              <a:rPr lang="pt-PT" b="1" dirty="0">
+              <a:rPr lang="pt-PT" dirty="0">
                 <a:solidFill>
                   <a:schemeClr val="bg1">
                     <a:lumMod val="50000"/>
                   </a:schemeClr>
                 </a:solidFill>
-                <a:effectLst>
-                  <a:outerShdw blurRad="38100" dist="38100" dir="2700000" algn="tl">
-                    <a:srgbClr val="000000">
-                      <a:alpha val="43137"/>
-                    </a:srgbClr>
-                  </a:outerShdw>
-                </a:effectLst>
               </a:rPr>
-              <a:t>Leonardo</a:t>
-            </a:r>
-            <a:endParaRPr lang="pt-PT" dirty="0"/>
+              <a:t>Trabalho Futuro</a:t>
+            </a:r>
+          </a:p>
+        </p:txBody>
+      </p:sp>
+      <p:sp>
+        <p:nvSpPr>
+          <p:cNvPr id="3" name="Marcador de Posição de Conteúdo 2">
+            <a:extLst>
+              <a:ext uri="{FF2B5EF4-FFF2-40B4-BE49-F238E27FC236}">
+                <a16:creationId xmlns:a16="http://schemas.microsoft.com/office/drawing/2014/main" id="{8FF2DE50-49B0-47EC-8D7A-0F77D0C69A13}"/>
+              </a:ext>
+            </a:extLst>
+          </p:cNvPr>
+          <p:cNvSpPr>
+            <a:spLocks noGrp="1"/>
+          </p:cNvSpPr>
+          <p:nvPr>
+            <p:ph idx="1"/>
+          </p:nvPr>
+        </p:nvSpPr>
+        <p:spPr>
+          <a:xfrm>
+            <a:off x="1208493" y="1964266"/>
+            <a:ext cx="10058400" cy="4023360"/>
+          </a:xfrm>
+        </p:spPr>
+        <p:txBody>
+          <a:bodyPr>
+            <a:normAutofit/>
+          </a:bodyPr>
+          <a:lstStyle/>
+          <a:p>
+            <a:pPr>
+              <a:buFont typeface="Wingdings" panose="05000000000000000000" pitchFamily="2" charset="2"/>
+              <a:buChar char="q"/>
+            </a:pPr>
+            <a:r>
+              <a:rPr lang="pt-PT" dirty="0"/>
+              <a:t> Esboço da árvore de decisão.</a:t>
+            </a:r>
+          </a:p>
+          <a:p>
+            <a:pPr>
+              <a:buFont typeface="Wingdings" panose="05000000000000000000" pitchFamily="2" charset="2"/>
+              <a:buChar char="q"/>
+            </a:pPr>
+            <a:r>
+              <a:rPr lang="pt-PT" dirty="0"/>
+              <a:t> Adição e aprimoramento de regras ao motor.</a:t>
+            </a:r>
+          </a:p>
+          <a:p>
+            <a:pPr>
+              <a:buFont typeface="Wingdings" panose="05000000000000000000" pitchFamily="2" charset="2"/>
+              <a:buChar char="q"/>
+            </a:pPr>
+            <a:r>
+              <a:rPr lang="pt-PT" dirty="0"/>
+              <a:t> Continuação do desenvolvimento do sistema atual.</a:t>
+            </a:r>
+          </a:p>
+        </p:txBody>
+      </p:sp>
+    </p:spTree>
+    <p:extLst>
+      <p:ext uri="{BB962C8B-B14F-4D97-AF65-F5344CB8AC3E}">
+        <p14:creationId xmlns:p14="http://schemas.microsoft.com/office/powerpoint/2010/main" val="2191826000"/>
+      </p:ext>
+    </p:extLst>
+  </p:cSld>
+  <p:clrMapOvr>
+    <a:masterClrMapping/>
+  </p:clrMapOvr>
+  <p:transition spd="slow">
+    <p:cover/>
+  </p:transition>
+</p:sld>
+</file>
+
+<file path=ppt/slides/slide12.xml><?xml version="1.0" encoding="utf-8"?>
+<p:sld xmlns:a="http://schemas.openxmlformats.org/drawingml/2006/main" xmlns:r="http://schemas.openxmlformats.org/officeDocument/2006/relationships" xmlns:p="http://schemas.openxmlformats.org/presentationml/2006/main">
+  <p:cSld>
+    <p:spTree>
+      <p:nvGrpSpPr>
+        <p:cNvPr id="1" name=""/>
+        <p:cNvGrpSpPr/>
+        <p:nvPr/>
+      </p:nvGrpSpPr>
+      <p:grpSpPr>
+        <a:xfrm>
+          <a:off x="0" y="0"/>
+          <a:ext cx="0" cy="0"/>
+          <a:chOff x="0" y="0"/>
+          <a:chExt cx="0" cy="0"/>
+        </a:xfrm>
+      </p:grpSpPr>
+      <p:sp>
+        <p:nvSpPr>
+          <p:cNvPr id="2" name="Título 1">
+            <a:extLst>
+              <a:ext uri="{FF2B5EF4-FFF2-40B4-BE49-F238E27FC236}">
+                <a16:creationId xmlns:a16="http://schemas.microsoft.com/office/drawing/2014/main" id="{7C25BD2A-223B-4886-95F6-197166A45D44}"/>
+              </a:ext>
+            </a:extLst>
+          </p:cNvPr>
+          <p:cNvSpPr>
+            <a:spLocks noGrp="1"/>
+          </p:cNvSpPr>
+          <p:nvPr>
+            <p:ph type="ctrTitle"/>
+          </p:nvPr>
+        </p:nvSpPr>
+        <p:spPr>
+          <a:xfrm>
+            <a:off x="1060209" y="165822"/>
+            <a:ext cx="10058400" cy="3566160"/>
+          </a:xfrm>
+        </p:spPr>
+        <p:txBody>
+          <a:bodyPr>
+            <a:normAutofit/>
+          </a:bodyPr>
+          <a:lstStyle/>
+          <a:p>
+            <a:r>
+              <a:rPr lang="pt-PT" sz="4800" b="1" dirty="0">
+                <a:solidFill>
+                  <a:schemeClr val="bg1">
+                    <a:lumMod val="50000"/>
+                  </a:schemeClr>
+                </a:solidFill>
+              </a:rPr>
+              <a:t>Conceção e Implementação de um Gestor de Diálogos para um Tutor Artificial</a:t>
+            </a:r>
+            <a:endParaRPr lang="pt-PT" sz="4800" b="1" dirty="0"/>
           </a:p>
         </p:txBody>
       </p:sp>
@@ -5918,25 +6207,23 @@
             <p:ph type="subTitle" idx="1"/>
           </p:nvPr>
         </p:nvSpPr>
-        <p:spPr/>
+        <p:spPr>
+          <a:xfrm>
+            <a:off x="1100051" y="4356761"/>
+            <a:ext cx="10058400" cy="1143000"/>
+          </a:xfrm>
+        </p:spPr>
         <p:txBody>
           <a:bodyPr>
             <a:normAutofit/>
           </a:bodyPr>
           <a:lstStyle/>
           <a:p>
-            <a:r>
-              <a:rPr lang="pt-PT" dirty="0">
-                <a:solidFill>
-                  <a:schemeClr val="bg1">
-                    <a:lumMod val="50000"/>
-                  </a:schemeClr>
-                </a:solidFill>
-              </a:rPr>
-              <a:t>Conceção e Implementação de um Gestor de Diálogos para um Tutor Artificial</a:t>
-            </a:r>
-          </a:p>
-          <a:p>
+            <a:pPr algn="r"/>
+            <a:r>
+              <a:rPr lang="pt-PT" cap="none" dirty="0"/>
+              <a:t>A Iniciativa LEONARDO</a:t>
+            </a:r>
             <a:endParaRPr lang="pt-PT" dirty="0"/>
           </a:p>
         </p:txBody>
@@ -5954,7 +6241,7 @@
           <p:nvPr/>
         </p:nvPicPr>
         <p:blipFill>
-          <a:blip r:embed="rId2" cstate="screen">
+          <a:blip r:embed="rId3" cstate="screen">
             <a:extLst>
               <a:ext uri="{28A0092B-C50C-407E-A947-70E740481C1C}">
                 <a14:useLocalDpi xmlns:a14="http://schemas.microsoft.com/office/drawing/2010/main"/>
@@ -5997,8 +6284,8 @@
         </p:nvSpPr>
         <p:spPr>
           <a:xfrm>
-            <a:off x="2259875" y="106305"/>
-            <a:ext cx="5094514" cy="1200329"/>
+            <a:off x="3001280" y="204747"/>
+            <a:ext cx="6080935" cy="1200329"/>
           </a:xfrm>
           <a:prstGeom prst="rect">
             <a:avLst/>
@@ -6010,31 +6297,6 @@
             <a:spAutoFit/>
           </a:bodyPr>
           <a:lstStyle/>
-          <a:p>
-            <a:r>
-              <a:rPr lang="pt-PT" dirty="0">
-                <a:solidFill>
-                  <a:schemeClr val="bg1">
-                    <a:lumMod val="50000"/>
-                  </a:schemeClr>
-                </a:solidFill>
-              </a:rPr>
-              <a:t>Escola de Engenharia</a:t>
-            </a:r>
-          </a:p>
-          <a:p>
-            <a:pPr hangingPunct="0"/>
-            <a:r>
-              <a:rPr lang="pt-PT" dirty="0">
-                <a:solidFill>
-                  <a:schemeClr val="bg1">
-                    <a:lumMod val="50000"/>
-                  </a:schemeClr>
-                </a:solidFill>
-              </a:rPr>
-              <a:t>Departamento de Informática</a:t>
-            </a:r>
-          </a:p>
           <a:p>
             <a:pPr hangingPunct="0"/>
             <a:r>
@@ -6058,7 +6320,30 @@
                   </a:schemeClr>
                 </a:solidFill>
               </a:rPr>
-              <a:t>Braga, Março de 2019</a:t>
+              <a:t>Unidade Curricular de Laboratório de Engenharia Informática</a:t>
+            </a:r>
+          </a:p>
+          <a:p>
+            <a:pPr hangingPunct="0"/>
+            <a:endParaRPr lang="pt-PT" dirty="0">
+              <a:solidFill>
+                <a:schemeClr val="bg1">
+                  <a:lumMod val="50000"/>
+                </a:schemeClr>
+              </a:solidFill>
+            </a:endParaRPr>
+          </a:p>
+          <a:p>
+            <a:pPr hangingPunct="0"/>
+            <a:r>
+              <a:rPr lang="pt-PT" dirty="0">
+                <a:solidFill>
+                  <a:schemeClr val="bg1">
+                    <a:lumMod val="50000"/>
+                  </a:schemeClr>
+                </a:solidFill>
+              </a:rPr>
+              <a:t>Março de 2019</a:t>
             </a:r>
           </a:p>
         </p:txBody>
@@ -6077,8 +6362,8 @@
         </p:nvSpPr>
         <p:spPr>
           <a:xfrm>
-            <a:off x="8857660" y="5041446"/>
-            <a:ext cx="2298020" cy="954107"/>
+            <a:off x="1134351" y="5016732"/>
+            <a:ext cx="10058400" cy="1046440"/>
           </a:xfrm>
           <a:prstGeom prst="rect">
             <a:avLst/>
@@ -6091,7 +6376,16 @@
           </a:bodyPr>
           <a:lstStyle/>
           <a:p>
-            <a:pPr algn="r"/>
+            <a:r>
+              <a:rPr lang="pt-PT" sz="2400" b="1" dirty="0"/>
+              <a:t>Diana Costa, Gil Cunha e Luís Costa</a:t>
+            </a:r>
+            <a:br>
+              <a:rPr lang="pt-PT" sz="2400" b="1" dirty="0"/>
+            </a:br>
+            <a:endParaRPr lang="pt-PT" sz="2400" b="1" dirty="0"/>
+          </a:p>
+          <a:p>
             <a:r>
               <a:rPr lang="pt-PT" sz="1400" dirty="0">
                 <a:solidFill>
@@ -6100,52 +6394,7 @@
                   </a:schemeClr>
                 </a:solidFill>
               </a:rPr>
-              <a:t>Diana Costa (a78985)</a:t>
-            </a:r>
-          </a:p>
-          <a:p>
-            <a:pPr algn="r"/>
-            <a:r>
-              <a:rPr lang="pt-PT" sz="1400" dirty="0">
-                <a:solidFill>
-                  <a:schemeClr val="bg1">
-                    <a:lumMod val="50000"/>
-                  </a:schemeClr>
-                </a:solidFill>
-              </a:rPr>
-              <a:t>Gil Cunha (a77249)</a:t>
-            </a:r>
-          </a:p>
-          <a:p>
-            <a:pPr algn="r"/>
-            <a:r>
-              <a:rPr lang="pt-PT" sz="1400" dirty="0">
-                <a:solidFill>
-                  <a:schemeClr val="bg1">
-                    <a:lumMod val="50000"/>
-                  </a:schemeClr>
-                </a:solidFill>
-              </a:rPr>
-              <a:t>Luís Costa (a74819)</a:t>
-            </a:r>
-            <a:br>
-              <a:rPr lang="pt-PT" sz="1400" dirty="0">
-                <a:solidFill>
-                  <a:schemeClr val="bg1">
-                    <a:lumMod val="50000"/>
-                  </a:schemeClr>
-                </a:solidFill>
-              </a:rPr>
-            </a:br>
-            <a:r>
-              <a:rPr lang="pt-PT" sz="1400" dirty="0">
-                <a:solidFill>
-                  <a:schemeClr val="bg1">
-                    <a:lumMod val="50000"/>
-                  </a:schemeClr>
-                </a:solidFill>
-              </a:rPr>
-              <a:t>Orientador: Orlando Belo</a:t>
+              <a:t>Orientação de Orlando Belo</a:t>
             </a:r>
             <a:endParaRPr lang="pt-PT" b="1" dirty="0">
               <a:solidFill>
@@ -6164,59 +6413,10 @@
           </a:p>
         </p:txBody>
       </p:sp>
-      <p:sp>
-        <p:nvSpPr>
-          <p:cNvPr id="11" name="CaixaDeTexto 10">
-            <a:extLst>
-              <a:ext uri="{FF2B5EF4-FFF2-40B4-BE49-F238E27FC236}">
-                <a16:creationId xmlns:a16="http://schemas.microsoft.com/office/drawing/2014/main" id="{B85DD243-9100-494A-BB32-B25C52E2AF13}"/>
-              </a:ext>
-            </a:extLst>
-          </p:cNvPr>
-          <p:cNvSpPr txBox="1"/>
-          <p:nvPr/>
-        </p:nvSpPr>
-        <p:spPr>
-          <a:xfrm>
-            <a:off x="10125100" y="5806660"/>
-            <a:ext cx="1031966" cy="584775"/>
-          </a:xfrm>
-          <a:prstGeom prst="rect">
-            <a:avLst/>
-          </a:prstGeom>
-          <a:noFill/>
-        </p:spPr>
-        <p:txBody>
-          <a:bodyPr wrap="square" rtlCol="0">
-            <a:spAutoFit/>
-          </a:bodyPr>
-          <a:lstStyle/>
-          <a:p>
-            <a:pPr algn="r"/>
-            <a:r>
-              <a:rPr lang="pt-PT" sz="3200" dirty="0">
-                <a:solidFill>
-                  <a:schemeClr val="bg1">
-                    <a:lumMod val="50000"/>
-                  </a:schemeClr>
-                </a:solidFill>
-                <a:effectLst>
-                  <a:outerShdw blurRad="38100" dist="38100" dir="2700000" algn="tl">
-                    <a:srgbClr val="000000">
-                      <a:alpha val="43137"/>
-                    </a:srgbClr>
-                  </a:outerShdw>
-                </a:effectLst>
-              </a:rPr>
-              <a:t>LEI</a:t>
-            </a:r>
-          </a:p>
-        </p:txBody>
-      </p:sp>
     </p:spTree>
     <p:extLst>
       <p:ext uri="{BB962C8B-B14F-4D97-AF65-F5344CB8AC3E}">
-        <p14:creationId xmlns:p14="http://schemas.microsoft.com/office/powerpoint/2010/main" val="4146920485"/>
+        <p14:creationId xmlns:p14="http://schemas.microsoft.com/office/powerpoint/2010/main" val="615748169"/>
       </p:ext>
     </p:extLst>
   </p:cSld>
@@ -7688,7 +7888,7 @@
           <p:nvPr/>
         </p:nvPicPr>
         <p:blipFill>
-          <a:blip r:embed="rId5">
+          <a:blip r:embed="rId5" cstate="hqprint">
             <a:extLst>
               <a:ext uri="{28A0092B-C50C-407E-A947-70E740481C1C}">
                 <a14:useLocalDpi xmlns:a14="http://schemas.microsoft.com/office/drawing/2010/main" val="0"/>

--- a/Report/presentation.pptx
+++ b/Report/presentation.pptx
@@ -578,6 +578,272 @@
       </p:grpSpPr>
       <p:sp>
         <p:nvSpPr>
+          <p:cNvPr id="2" name="Marcador de Posição da Imagem do Diapositivo 1"/>
+          <p:cNvSpPr>
+            <a:spLocks noGrp="1" noRot="1" noChangeAspect="1"/>
+          </p:cNvSpPr>
+          <p:nvPr>
+            <p:ph type="sldImg"/>
+          </p:nvPr>
+        </p:nvSpPr>
+        <p:spPr/>
+      </p:sp>
+      <p:sp>
+        <p:nvSpPr>
+          <p:cNvPr id="3" name="Marcador de Posição de Notas 2"/>
+          <p:cNvSpPr>
+            <a:spLocks noGrp="1"/>
+          </p:cNvSpPr>
+          <p:nvPr>
+            <p:ph type="body" idx="1"/>
+          </p:nvPr>
+        </p:nvSpPr>
+        <p:spPr/>
+        <p:txBody>
+          <a:bodyPr/>
+          <a:lstStyle/>
+          <a:p>
+            <a:r>
+              <a:rPr lang="pt-PT" dirty="0"/>
+              <a:t>GIL</a:t>
+            </a:r>
+          </a:p>
+          <a:p>
+            <a:endParaRPr lang="pt-PT" dirty="0"/>
+          </a:p>
+          <a:p>
+            <a:r>
+              <a:rPr lang="pt-PT" dirty="0"/>
+              <a:t>Ponto 2.1 – falar q </a:t>
+            </a:r>
+            <a:r>
+              <a:rPr lang="pt-PT" dirty="0" err="1"/>
+              <a:t>mongoDB</a:t>
+            </a:r>
+            <a:r>
+              <a:rPr lang="pt-PT" dirty="0"/>
+              <a:t> e parão alteram constantemente conforme regras e conforme vamos querendo eficiência</a:t>
+            </a:r>
+            <a:br>
+              <a:rPr lang="pt-PT" dirty="0"/>
+            </a:br>
+            <a:endParaRPr lang="pt-PT" dirty="0"/>
+          </a:p>
+          <a:p>
+            <a:r>
+              <a:rPr lang="pt-PT" dirty="0"/>
+              <a:t>Ponto 2.2 – dizer q árvore é o q permite escolher diálogo, com base em destreza e tal</a:t>
+            </a:r>
+          </a:p>
+          <a:p>
+            <a:endParaRPr lang="pt-PT" dirty="0"/>
+          </a:p>
+          <a:p>
+            <a:r>
+              <a:rPr lang="pt-PT" dirty="0"/>
+              <a:t>Ponto 2.3 – dizer que é supervisionada para já ?</a:t>
+            </a:r>
+            <a:br>
+              <a:rPr lang="pt-PT" dirty="0"/>
+            </a:br>
+            <a:br>
+              <a:rPr lang="pt-PT" dirty="0"/>
+            </a:br>
+            <a:r>
+              <a:rPr lang="pt-PT" dirty="0"/>
+              <a:t>Ponto 3 – dizer q basicamente temos que melhorar tudo o que temos acima</a:t>
+            </a:r>
+          </a:p>
+        </p:txBody>
+      </p:sp>
+      <p:sp>
+        <p:nvSpPr>
+          <p:cNvPr id="4" name="Marcador de Posição do Número do Diapositivo 3"/>
+          <p:cNvSpPr>
+            <a:spLocks noGrp="1"/>
+          </p:cNvSpPr>
+          <p:nvPr>
+            <p:ph type="sldNum" sz="quarter" idx="5"/>
+          </p:nvPr>
+        </p:nvSpPr>
+        <p:spPr/>
+        <p:txBody>
+          <a:bodyPr/>
+          <a:lstStyle/>
+          <a:p>
+            <a:fld id="{F9C76EEC-3DB8-4814-A8C5-185DA6C5A9E9}" type="slidenum">
+              <a:rPr lang="pt-PT" smtClean="0"/>
+              <a:t>10</a:t>
+            </a:fld>
+            <a:endParaRPr lang="pt-PT"/>
+          </a:p>
+        </p:txBody>
+      </p:sp>
+    </p:spTree>
+    <p:extLst>
+      <p:ext uri="{BB962C8B-B14F-4D97-AF65-F5344CB8AC3E}">
+        <p14:creationId xmlns:p14="http://schemas.microsoft.com/office/powerpoint/2010/main" val="2653281919"/>
+      </p:ext>
+    </p:extLst>
+  </p:cSld>
+  <p:clrMapOvr>
+    <a:masterClrMapping/>
+  </p:clrMapOvr>
+</p:notes>
+</file>
+
+<file path=ppt/notesSlides/notesSlide11.xml><?xml version="1.0" encoding="utf-8"?>
+<p:notes xmlns:a="http://schemas.openxmlformats.org/drawingml/2006/main" xmlns:r="http://schemas.openxmlformats.org/officeDocument/2006/relationships" xmlns:p="http://schemas.openxmlformats.org/presentationml/2006/main">
+  <p:cSld>
+    <p:spTree>
+      <p:nvGrpSpPr>
+        <p:cNvPr id="1" name=""/>
+        <p:cNvGrpSpPr/>
+        <p:nvPr/>
+      </p:nvGrpSpPr>
+      <p:grpSpPr>
+        <a:xfrm>
+          <a:off x="0" y="0"/>
+          <a:ext cx="0" cy="0"/>
+          <a:chOff x="0" y="0"/>
+          <a:chExt cx="0" cy="0"/>
+        </a:xfrm>
+      </p:grpSpPr>
+      <p:sp>
+        <p:nvSpPr>
+          <p:cNvPr id="2" name="Marcador de Posição da Imagem do Diapositivo 1"/>
+          <p:cNvSpPr>
+            <a:spLocks noGrp="1" noRot="1" noChangeAspect="1"/>
+          </p:cNvSpPr>
+          <p:nvPr>
+            <p:ph type="sldImg"/>
+          </p:nvPr>
+        </p:nvSpPr>
+        <p:spPr/>
+      </p:sp>
+      <p:sp>
+        <p:nvSpPr>
+          <p:cNvPr id="3" name="Marcador de Posição de Notas 2"/>
+          <p:cNvSpPr>
+            <a:spLocks noGrp="1"/>
+          </p:cNvSpPr>
+          <p:nvPr>
+            <p:ph type="body" idx="1"/>
+          </p:nvPr>
+        </p:nvSpPr>
+        <p:spPr/>
+        <p:txBody>
+          <a:bodyPr/>
+          <a:lstStyle/>
+          <a:p>
+            <a:r>
+              <a:rPr lang="pt-PT" dirty="0"/>
+              <a:t>GIL</a:t>
+            </a:r>
+          </a:p>
+          <a:p>
+            <a:endParaRPr lang="pt-PT" dirty="0"/>
+          </a:p>
+          <a:p>
+            <a:r>
+              <a:rPr lang="pt-PT" dirty="0"/>
+              <a:t>Ponto 2.1 – falar q </a:t>
+            </a:r>
+            <a:r>
+              <a:rPr lang="pt-PT" dirty="0" err="1"/>
+              <a:t>mongoDB</a:t>
+            </a:r>
+            <a:r>
+              <a:rPr lang="pt-PT" dirty="0"/>
+              <a:t> e parão alteram constantemente conforme regras e conforme vamos querendo eficiência</a:t>
+            </a:r>
+            <a:br>
+              <a:rPr lang="pt-PT" dirty="0"/>
+            </a:br>
+            <a:endParaRPr lang="pt-PT" dirty="0"/>
+          </a:p>
+          <a:p>
+            <a:r>
+              <a:rPr lang="pt-PT" dirty="0"/>
+              <a:t>Ponto 2.2 – dizer q árvore é o q permite escolher diálogo, com base em destreza e tal</a:t>
+            </a:r>
+          </a:p>
+          <a:p>
+            <a:endParaRPr lang="pt-PT" dirty="0"/>
+          </a:p>
+          <a:p>
+            <a:r>
+              <a:rPr lang="pt-PT" dirty="0"/>
+              <a:t>Ponto 2.3 – dizer que é supervisionada para já ?</a:t>
+            </a:r>
+            <a:br>
+              <a:rPr lang="pt-PT" dirty="0"/>
+            </a:br>
+            <a:br>
+              <a:rPr lang="pt-PT" dirty="0"/>
+            </a:br>
+            <a:r>
+              <a:rPr lang="pt-PT" dirty="0"/>
+              <a:t>Ponto 3 – dizer q basicamente temos que melhorar tudo o que temos acima</a:t>
+            </a:r>
+          </a:p>
+        </p:txBody>
+      </p:sp>
+      <p:sp>
+        <p:nvSpPr>
+          <p:cNvPr id="4" name="Marcador de Posição do Número do Diapositivo 3"/>
+          <p:cNvSpPr>
+            <a:spLocks noGrp="1"/>
+          </p:cNvSpPr>
+          <p:nvPr>
+            <p:ph type="sldNum" sz="quarter" idx="5"/>
+          </p:nvPr>
+        </p:nvSpPr>
+        <p:spPr/>
+        <p:txBody>
+          <a:bodyPr/>
+          <a:lstStyle/>
+          <a:p>
+            <a:fld id="{F9C76EEC-3DB8-4814-A8C5-185DA6C5A9E9}" type="slidenum">
+              <a:rPr lang="pt-PT" smtClean="0"/>
+              <a:t>11</a:t>
+            </a:fld>
+            <a:endParaRPr lang="pt-PT"/>
+          </a:p>
+        </p:txBody>
+      </p:sp>
+    </p:spTree>
+    <p:extLst>
+      <p:ext uri="{BB962C8B-B14F-4D97-AF65-F5344CB8AC3E}">
+        <p14:creationId xmlns:p14="http://schemas.microsoft.com/office/powerpoint/2010/main" val="2155469764"/>
+      </p:ext>
+    </p:extLst>
+  </p:cSld>
+  <p:clrMapOvr>
+    <a:masterClrMapping/>
+  </p:clrMapOvr>
+</p:notes>
+</file>
+
+<file path=ppt/notesSlides/notesSlide12.xml><?xml version="1.0" encoding="utf-8"?>
+<p:notes xmlns:a="http://schemas.openxmlformats.org/drawingml/2006/main" xmlns:r="http://schemas.openxmlformats.org/officeDocument/2006/relationships" xmlns:p="http://schemas.openxmlformats.org/presentationml/2006/main">
+  <p:cSld>
+    <p:spTree>
+      <p:nvGrpSpPr>
+        <p:cNvPr id="1" name=""/>
+        <p:cNvGrpSpPr/>
+        <p:nvPr/>
+      </p:nvGrpSpPr>
+      <p:grpSpPr>
+        <a:xfrm>
+          <a:off x="0" y="0"/>
+          <a:ext cx="0" cy="0"/>
+          <a:chOff x="0" y="0"/>
+          <a:chExt cx="0" cy="0"/>
+        </a:xfrm>
+      </p:grpSpPr>
+      <p:sp>
+        <p:nvSpPr>
           <p:cNvPr id="2" name="Slide Image Placeholder 1"/>
           <p:cNvSpPr>
             <a:spLocks noGrp="1" noRot="1" noChangeAspect="1"/>
@@ -689,59 +955,22 @@
           <a:p>
             <a:r>
               <a:rPr lang="pt-PT" dirty="0"/>
-              <a:t>Ponto 1 – falar também do exemplo de matemática (geometria, trigonometria,…) para encher</a:t>
-            </a:r>
-          </a:p>
-          <a:p>
-            <a:r>
-              <a:rPr lang="pt-PT" dirty="0"/>
-              <a:t> </a:t>
-            </a:r>
-          </a:p>
-          <a:p>
-            <a:r>
-              <a:rPr lang="pt-PT" dirty="0"/>
-              <a:t>Ponto 2 – 	2.1 Explicar o que é a destreza e o desempenho</a:t>
-            </a:r>
-          </a:p>
-          <a:p>
-            <a:r>
-              <a:rPr lang="pt-PT" dirty="0"/>
-              <a:t>	2.2 falar do desempenho geral na realização de vários testes, como soma de desempenho de testes individuais</a:t>
-            </a:r>
-            <a:br>
-              <a:rPr lang="pt-PT" dirty="0"/>
-            </a:br>
-            <a:r>
-              <a:rPr lang="pt-PT" dirty="0"/>
-              <a:t>                	2.3 dizer que cada aluno tem sensibilidades diferentes e tal</a:t>
-            </a:r>
-            <a:br>
-              <a:rPr lang="pt-PT" dirty="0"/>
-            </a:br>
+              <a:t>LUIS</a:t>
+            </a:r>
+          </a:p>
+          <a:p>
             <a:endParaRPr lang="pt-PT" dirty="0"/>
           </a:p>
           <a:p>
             <a:r>
               <a:rPr lang="pt-PT" dirty="0"/>
-              <a:t>Ponto 3 -  dizer que não se queria apenas o típico </a:t>
-            </a:r>
-            <a:r>
-              <a:rPr lang="pt-PT" dirty="0" err="1"/>
-              <a:t>chatbox</a:t>
-            </a:r>
-            <a:r>
-              <a:rPr lang="pt-PT" dirty="0"/>
-              <a:t> chato, mas um “</a:t>
-            </a:r>
-            <a:r>
-              <a:rPr lang="pt-PT" dirty="0" err="1"/>
-              <a:t>bot</a:t>
-            </a:r>
-            <a:r>
-              <a:rPr lang="pt-PT" dirty="0"/>
-              <a:t>” cativante e adequado a cada aluno</a:t>
-            </a:r>
+              <a:t>- Basicamente ler e explicar o </a:t>
+            </a:r>
+            <a:r>
+              <a:rPr lang="pt-PT"/>
+              <a:t>mínimo mesmo (PALHA)</a:t>
+            </a:r>
+            <a:endParaRPr lang="pt-PT" dirty="0"/>
           </a:p>
         </p:txBody>
       </p:sp>
@@ -762,7 +991,7 @@
           <a:p>
             <a:fld id="{F9C76EEC-3DB8-4814-A8C5-185DA6C5A9E9}" type="slidenum">
               <a:rPr lang="pt-PT" smtClean="0"/>
-              <a:t>3</a:t>
+              <a:t>2</a:t>
             </a:fld>
             <a:endParaRPr lang="pt-PT"/>
           </a:p>
@@ -771,7 +1000,7 @@
     </p:spTree>
     <p:extLst>
       <p:ext uri="{BB962C8B-B14F-4D97-AF65-F5344CB8AC3E}">
-        <p14:creationId xmlns:p14="http://schemas.microsoft.com/office/powerpoint/2010/main" val="2884616700"/>
+        <p14:creationId xmlns:p14="http://schemas.microsoft.com/office/powerpoint/2010/main" val="3317858232"/>
       </p:ext>
     </p:extLst>
   </p:cSld>
@@ -827,17 +1056,73 @@
           <a:p>
             <a:r>
               <a:rPr lang="pt-PT" dirty="0"/>
-              <a:t>Ponto 1: salientar que a existência dos outros módulos por estarmos a trabalhar em conjunto com outro projeto</a:t>
+              <a:t>LUIS</a:t>
+            </a:r>
+          </a:p>
+          <a:p>
+            <a:endParaRPr lang="pt-PT" dirty="0"/>
+          </a:p>
+          <a:p>
+            <a:r>
+              <a:rPr lang="pt-PT" dirty="0"/>
+              <a:t>Ponto 1 – falar também do exemplo de matemática (geometria, trigonometria,…) para encher</a:t>
+            </a:r>
+          </a:p>
+          <a:p>
+            <a:r>
+              <a:rPr lang="pt-PT" dirty="0"/>
+              <a:t> </a:t>
+            </a:r>
+          </a:p>
+          <a:p>
+            <a:r>
+              <a:rPr lang="pt-PT" dirty="0"/>
+              <a:t>Ponto 2 – 	aluno = utilizador</a:t>
+            </a:r>
+          </a:p>
+          <a:p>
+            <a:r>
+              <a:rPr lang="pt-PT" dirty="0"/>
+              <a:t>     	2.1 Explicar o que é a destreza (media tempo global a responder) e o desempenho(percentagem de respostas certas dentro de todas q já respondeu)</a:t>
+            </a:r>
+          </a:p>
+          <a:p>
+            <a:r>
+              <a:rPr lang="pt-PT" dirty="0"/>
+              <a:t>	2.1 falar do desempenho geral na realização de vários testes, como soma de desempenho de testes individuais</a:t>
             </a:r>
             <a:br>
               <a:rPr lang="pt-PT" dirty="0"/>
             </a:br>
+            <a:r>
+              <a:rPr lang="pt-PT" dirty="0"/>
+              <a:t>                	2.2 dizer que cada aluno tem sensibilidades diferentes e tal FUTURO, mas para já está adaptado a os dados de cada aluno (performance)</a:t>
+            </a:r>
             <a:br>
               <a:rPr lang="pt-PT" dirty="0"/>
             </a:br>
-            <a:r>
-              <a:rPr lang="pt-PT" dirty="0"/>
-              <a:t>Ponto 2: exemplificar domínio e subdomínio</a:t>
+            <a:endParaRPr lang="pt-PT" dirty="0"/>
+          </a:p>
+          <a:p>
+            <a:r>
+              <a:rPr lang="pt-PT" dirty="0"/>
+              <a:t>Ponto 3 -  dizer que não se queria apenas o típico </a:t>
+            </a:r>
+            <a:r>
+              <a:rPr lang="pt-PT" dirty="0" err="1"/>
+              <a:t>chatbox</a:t>
+            </a:r>
+            <a:r>
+              <a:rPr lang="pt-PT" dirty="0"/>
+              <a:t> chato, mas um “</a:t>
+            </a:r>
+            <a:r>
+              <a:rPr lang="pt-PT" dirty="0" err="1"/>
+              <a:t>bot</a:t>
+            </a:r>
+            <a:r>
+              <a:rPr lang="pt-PT" dirty="0"/>
+              <a:t>” cativante e adequado a cada aluno</a:t>
             </a:r>
           </a:p>
         </p:txBody>
@@ -859,7 +1144,7 @@
           <a:p>
             <a:fld id="{F9C76EEC-3DB8-4814-A8C5-185DA6C5A9E9}" type="slidenum">
               <a:rPr lang="pt-PT" smtClean="0"/>
-              <a:t>5</a:t>
+              <a:t>3</a:t>
             </a:fld>
             <a:endParaRPr lang="pt-PT"/>
           </a:p>
@@ -868,7 +1153,7 @@
     </p:spTree>
     <p:extLst>
       <p:ext uri="{BB962C8B-B14F-4D97-AF65-F5344CB8AC3E}">
-        <p14:creationId xmlns:p14="http://schemas.microsoft.com/office/powerpoint/2010/main" val="1200589705"/>
+        <p14:creationId xmlns:p14="http://schemas.microsoft.com/office/powerpoint/2010/main" val="2884616700"/>
       </p:ext>
     </p:extLst>
   </p:cSld>
@@ -922,62 +1207,29 @@
           <a:bodyPr/>
           <a:lstStyle/>
           <a:p>
-            <a:r>
-              <a:rPr lang="pt-PT" dirty="0"/>
-              <a:t>&gt;&gt; apresentação geral das funcionalidades do componente.</a:t>
-            </a:r>
-            <a:br>
-              <a:rPr lang="pt-PT" dirty="0"/>
-            </a:br>
-            <a:r>
-              <a:rPr lang="pt-PT" dirty="0"/>
-              <a:t>Ponto 1.1 – dizer que vem do </a:t>
-            </a:r>
-            <a:r>
-              <a:rPr lang="pt-PT" dirty="0" err="1"/>
-              <a:t>profiler</a:t>
-            </a:r>
-            <a:r>
-              <a:rPr lang="pt-PT" dirty="0"/>
-              <a:t>(?) e definir “informação útil” (dados do aluno como performance, se acertou ou errou ultima pergunta,…)</a:t>
-            </a:r>
-          </a:p>
-          <a:p>
-            <a:r>
-              <a:rPr lang="pt-PT" dirty="0"/>
-              <a:t>Ponto 1.2 – explicar que recebemos padrão em </a:t>
-            </a:r>
-            <a:r>
-              <a:rPr lang="pt-PT" dirty="0" err="1"/>
-              <a:t>json</a:t>
-            </a:r>
-            <a:r>
-              <a:rPr lang="pt-PT" dirty="0"/>
-              <a:t>, convertemos os valores do padrão noutros valores, segundo os intervalos estabelecidos por nós.</a:t>
-            </a:r>
-          </a:p>
-          <a:p>
-            <a:r>
-              <a:rPr lang="pt-PT" dirty="0"/>
-              <a:t>Ponto 1.3 – explicar que analisamos esses valores e testamos contra as regras estabelecidas por nós, respetivas a cada um dos </a:t>
-            </a:r>
-            <a:r>
-              <a:rPr lang="pt-PT" dirty="0" err="1"/>
-              <a:t>dominios</a:t>
-            </a:r>
-            <a:r>
-              <a:rPr lang="pt-PT" dirty="0"/>
-              <a:t>.</a:t>
-            </a:r>
-          </a:p>
-          <a:p>
-            <a:r>
-              <a:rPr lang="pt-PT" dirty="0"/>
-              <a:t>Ponto 1.4 – dizer que a regra acionada (cujas condições são satisfeitas pelos valores) vai ditar qual o tipo de frase a apresentar ao utilizador</a:t>
-            </a:r>
-            <a:br>
-              <a:rPr lang="pt-PT" dirty="0"/>
-            </a:br>
+            <a:pPr marL="0" marR="0" lvl="0" indent="0" algn="l" defTabSz="914400" rtl="0" eaLnBrk="1" fontAlgn="auto" latinLnBrk="0" hangingPunct="1">
+              <a:lnSpc>
+                <a:spcPct val="100000"/>
+              </a:lnSpc>
+              <a:spcBef>
+                <a:spcPts val="0"/>
+              </a:spcBef>
+              <a:spcAft>
+                <a:spcPts val="0"/>
+              </a:spcAft>
+              <a:buClrTx/>
+              <a:buSzTx/>
+              <a:buFontTx/>
+              <a:buNone/>
+              <a:tabLst/>
+              <a:defRPr/>
+            </a:pPr>
+            <a:r>
+              <a:rPr lang="pt-PT" dirty="0"/>
+              <a:t>LUIS</a:t>
+            </a:r>
+          </a:p>
+          <a:p>
             <a:endParaRPr lang="pt-PT" dirty="0"/>
           </a:p>
         </p:txBody>
@@ -999,7 +1251,7 @@
           <a:p>
             <a:fld id="{F9C76EEC-3DB8-4814-A8C5-185DA6C5A9E9}" type="slidenum">
               <a:rPr lang="pt-PT" smtClean="0"/>
-              <a:t>6</a:t>
+              <a:t>4</a:t>
             </a:fld>
             <a:endParaRPr lang="pt-PT"/>
           </a:p>
@@ -1008,7 +1260,7 @@
     </p:spTree>
     <p:extLst>
       <p:ext uri="{BB962C8B-B14F-4D97-AF65-F5344CB8AC3E}">
-        <p14:creationId xmlns:p14="http://schemas.microsoft.com/office/powerpoint/2010/main" val="1112323880"/>
+        <p14:creationId xmlns:p14="http://schemas.microsoft.com/office/powerpoint/2010/main" val="2542676790"/>
       </p:ext>
     </p:extLst>
   </p:cSld>
@@ -1062,40 +1314,46 @@
           <a:bodyPr/>
           <a:lstStyle/>
           <a:p>
-            <a:r>
-              <a:rPr lang="pt-PT" dirty="0"/>
-              <a:t>&gt;&gt; descrição de como o componente atua dentro do sistema global </a:t>
-            </a:r>
-          </a:p>
-          <a:p>
-            <a:r>
-              <a:rPr lang="pt-PT" dirty="0"/>
-              <a:t>----dizer que não tratamos de ir buscar as perguntas da matéria à BD nem somos o </a:t>
-            </a:r>
-            <a:r>
-              <a:rPr lang="pt-PT" dirty="0" err="1"/>
-              <a:t>profiler</a:t>
-            </a:r>
-            <a:r>
-              <a:rPr lang="pt-PT" dirty="0"/>
-              <a:t>, apenas somos responsáveis pelas frases de diálogo com o aluno</a:t>
-            </a:r>
-          </a:p>
-          <a:p>
-            <a:r>
-              <a:rPr lang="pt-PT" dirty="0"/>
-              <a:t>&gt;&gt; arquitetura básica do componente e sua interação com os outros módulos</a:t>
+            <a:pPr marL="0" marR="0" lvl="0" indent="0" algn="l" defTabSz="914400" rtl="0" eaLnBrk="1" fontAlgn="auto" latinLnBrk="0" hangingPunct="1">
+              <a:lnSpc>
+                <a:spcPct val="100000"/>
+              </a:lnSpc>
+              <a:spcBef>
+                <a:spcPts val="0"/>
+              </a:spcBef>
+              <a:spcAft>
+                <a:spcPts val="0"/>
+              </a:spcAft>
+              <a:buClrTx/>
+              <a:buSzTx/>
+              <a:buFontTx/>
+              <a:buNone/>
+              <a:tabLst/>
+              <a:defRPr/>
+            </a:pPr>
+            <a:r>
+              <a:rPr lang="pt-PT" dirty="0"/>
+              <a:t>LUIS</a:t>
+            </a:r>
+          </a:p>
+          <a:p>
+            <a:endParaRPr lang="pt-PT" dirty="0"/>
+          </a:p>
+          <a:p>
+            <a:r>
+              <a:rPr lang="pt-PT" dirty="0"/>
+              <a:t>Ponto 1: salientar que a existência dos outros módulos por estarmos a trabalhar em conjunto com outro projeto</a:t>
             </a:r>
             <a:br>
               <a:rPr lang="pt-PT" dirty="0"/>
             </a:br>
-            <a:r>
-              <a:rPr lang="pt-PT" dirty="0"/>
-              <a:t>----imagem</a:t>
-            </a:r>
-          </a:p>
-          <a:p>
-            <a:endParaRPr lang="pt-PT" dirty="0"/>
+            <a:br>
+              <a:rPr lang="pt-PT" dirty="0"/>
+            </a:br>
+            <a:r>
+              <a:rPr lang="pt-PT" dirty="0"/>
+              <a:t>Ponto 2: exemplificar domínio e subdomínio</a:t>
+            </a:r>
           </a:p>
         </p:txBody>
       </p:sp>
@@ -1116,7 +1374,7 @@
           <a:p>
             <a:fld id="{F9C76EEC-3DB8-4814-A8C5-185DA6C5A9E9}" type="slidenum">
               <a:rPr lang="pt-PT" smtClean="0"/>
-              <a:t>7</a:t>
+              <a:t>5</a:t>
             </a:fld>
             <a:endParaRPr lang="pt-PT"/>
           </a:p>
@@ -1125,7 +1383,7 @@
     </p:spTree>
     <p:extLst>
       <p:ext uri="{BB962C8B-B14F-4D97-AF65-F5344CB8AC3E}">
-        <p14:creationId xmlns:p14="http://schemas.microsoft.com/office/powerpoint/2010/main" val="3339019805"/>
+        <p14:creationId xmlns:p14="http://schemas.microsoft.com/office/powerpoint/2010/main" val="1200589705"/>
       </p:ext>
     </p:extLst>
   </p:cSld>
@@ -1181,70 +1439,91 @@
           <a:p>
             <a:r>
               <a:rPr lang="pt-PT" dirty="0"/>
-              <a:t>&gt;&gt; apresentação de um pequeno excerto da base de dados das frases e da sua informação de suporte.</a:t>
-            </a:r>
-          </a:p>
-          <a:p>
-            <a:r>
-              <a:rPr lang="pt-PT" dirty="0"/>
-              <a:t>&gt;&gt; exemplo de um diálogo suportado pelo sistema.</a:t>
-            </a:r>
-          </a:p>
-          <a:p>
-            <a:r>
-              <a:rPr lang="pt-PT" dirty="0"/>
-              <a:t>&gt;&gt; explicar </a:t>
+              <a:t>DIANA</a:t>
+            </a:r>
+          </a:p>
+          <a:p>
+            <a:endParaRPr lang="pt-PT" dirty="0"/>
+          </a:p>
+          <a:p>
+            <a:pPr marL="0" marR="0" lvl="0" indent="0" algn="l" defTabSz="914400" rtl="0" eaLnBrk="1" fontAlgn="auto" latinLnBrk="0" hangingPunct="1">
+              <a:lnSpc>
+                <a:spcPct val="100000"/>
+              </a:lnSpc>
+              <a:spcBef>
+                <a:spcPts val="0"/>
+              </a:spcBef>
+              <a:spcAft>
+                <a:spcPts val="0"/>
+              </a:spcAft>
+              <a:buClrTx/>
+              <a:buSzTx/>
+              <a:buFontTx/>
+              <a:buNone/>
+              <a:tabLst/>
+              <a:defRPr/>
+            </a:pPr>
+            <a:r>
+              <a:rPr lang="pt-PT" dirty="0"/>
+              <a:t>&gt;&gt; apresentação geral das funcionalidades do componente.</a:t>
+            </a:r>
+            <a:br>
+              <a:rPr lang="pt-PT" dirty="0"/>
+            </a:br>
+            <a:r>
+              <a:rPr lang="pt-PT" dirty="0"/>
+              <a:t>Ponto 1.1 – dizer que vem do </a:t>
             </a:r>
             <a:r>
               <a:rPr lang="pt-PT" dirty="0" err="1"/>
-              <a:t>tags</a:t>
-            </a:r>
-            <a:r>
-              <a:rPr lang="pt-PT" dirty="0"/>
-              <a:t> (</a:t>
+              <a:t>profiler</a:t>
+            </a:r>
+            <a:r>
+              <a:rPr lang="pt-PT" dirty="0"/>
+              <a:t> (PADRAO em JSON / VETOR DE INFO) –convertemos os valores do padrão noutros valores, segundo os intervalos estabelecidos por</a:t>
+            </a:r>
+            <a:br>
+              <a:rPr lang="pt-PT" dirty="0"/>
+            </a:br>
+            <a:r>
+              <a:rPr lang="pt-PT" dirty="0"/>
+              <a:t>                   nós.</a:t>
+            </a:r>
+          </a:p>
+          <a:p>
+            <a:r>
+              <a:rPr lang="pt-PT" dirty="0"/>
+              <a:t>                –  definir “informação útil” (dados do aluno como performance, se acertou ou errou ultima pergunta,…)</a:t>
+            </a:r>
+          </a:p>
+          <a:p>
+            <a:endParaRPr lang="pt-PT" dirty="0"/>
+          </a:p>
+          <a:p>
+            <a:r>
+              <a:rPr lang="pt-PT" dirty="0"/>
+              <a:t>Ponto 1.2 – explicar que analisamos esses valores e testamos contra as regras estabelecidas por nós, respetivas a cada um dos </a:t>
             </a:r>
             <a:r>
               <a:rPr lang="pt-PT" dirty="0" err="1"/>
-              <a:t>greetings</a:t>
-            </a:r>
-            <a:r>
-              <a:rPr lang="pt-PT" dirty="0"/>
-              <a:t>, </a:t>
-            </a:r>
-            <a:r>
-              <a:rPr lang="pt-PT" dirty="0" err="1"/>
-              <a:t>funny</a:t>
-            </a:r>
-            <a:r>
-              <a:rPr lang="pt-PT" dirty="0"/>
-              <a:t>, </a:t>
-            </a:r>
-            <a:r>
-              <a:rPr lang="pt-PT" dirty="0" err="1"/>
-              <a:t>phrase</a:t>
-            </a:r>
-            <a:r>
-              <a:rPr lang="pt-PT" dirty="0"/>
-              <a:t>, </a:t>
-            </a:r>
-            <a:r>
-              <a:rPr lang="pt-PT" dirty="0" err="1"/>
-              <a:t>counter</a:t>
-            </a:r>
-            <a:r>
-              <a:rPr lang="pt-PT" dirty="0"/>
-              <a:t>, </a:t>
-            </a:r>
-            <a:r>
-              <a:rPr lang="pt-PT" dirty="0" err="1"/>
-              <a:t>answer</a:t>
-            </a:r>
-            <a:r>
-              <a:rPr lang="pt-PT" dirty="0"/>
-              <a:t>…)</a:t>
-            </a:r>
-          </a:p>
-          <a:p>
+              <a:t>dominios</a:t>
+            </a:r>
+            <a:r>
+              <a:rPr lang="pt-PT" dirty="0"/>
+              <a:t>.</a:t>
+            </a:r>
+          </a:p>
+          <a:p>
+            <a:endParaRPr lang="pt-PT" dirty="0"/>
+          </a:p>
+          <a:p>
+            <a:r>
+              <a:rPr lang="pt-PT" dirty="0"/>
+              <a:t>Ponto 1.3 – dizer que a regra acionada (cujas condições são satisfeitas pelos valores) vai ditar qual o tipo de frase a apresentar ao utilizador</a:t>
+            </a:r>
+            <a:br>
+              <a:rPr lang="pt-PT" dirty="0"/>
+            </a:br>
             <a:endParaRPr lang="pt-PT" dirty="0"/>
           </a:p>
         </p:txBody>
@@ -1266,7 +1545,7 @@
           <a:p>
             <a:fld id="{F9C76EEC-3DB8-4814-A8C5-185DA6C5A9E9}" type="slidenum">
               <a:rPr lang="pt-PT" smtClean="0"/>
-              <a:t>8</a:t>
+              <a:t>6</a:t>
             </a:fld>
             <a:endParaRPr lang="pt-PT"/>
           </a:p>
@@ -1275,7 +1554,7 @@
     </p:spTree>
     <p:extLst>
       <p:ext uri="{BB962C8B-B14F-4D97-AF65-F5344CB8AC3E}">
-        <p14:creationId xmlns:p14="http://schemas.microsoft.com/office/powerpoint/2010/main" val="2373765445"/>
+        <p14:creationId xmlns:p14="http://schemas.microsoft.com/office/powerpoint/2010/main" val="1112323880"/>
       </p:ext>
     </p:extLst>
   </p:cSld>
@@ -1331,244 +1610,46 @@
           <a:p>
             <a:r>
               <a:rPr lang="pt-PT" dirty="0"/>
-              <a:t>- No </a:t>
+              <a:t>DIANA</a:t>
+            </a:r>
+          </a:p>
+          <a:p>
+            <a:endParaRPr lang="pt-PT" dirty="0"/>
+          </a:p>
+          <a:p>
+            <a:r>
+              <a:rPr lang="pt-PT" dirty="0"/>
+              <a:t>&gt;&gt; descrição de como o componente atua dentro do sistema global </a:t>
+            </a:r>
+          </a:p>
+          <a:p>
+            <a:r>
+              <a:rPr lang="pt-PT" dirty="0"/>
+              <a:t>---- dizer que não tratamos de ir buscar as perguntas da matéria à BD nem somos o </a:t>
             </a:r>
             <a:r>
               <a:rPr lang="pt-PT" dirty="0" err="1"/>
-              <a:t>python</a:t>
-            </a:r>
-            <a:r>
-              <a:rPr lang="pt-PT" dirty="0"/>
-              <a:t> falar do script para geração de frases, com cadeias de </a:t>
-            </a:r>
-            <a:r>
-              <a:rPr lang="pt-PT" dirty="0" err="1"/>
-              <a:t>Markov</a:t>
-            </a:r>
-            <a:r>
-              <a:rPr lang="pt-PT" dirty="0"/>
-              <a:t> e utilização de NLTK para processamento de frases (separar por palavras)</a:t>
-            </a:r>
-          </a:p>
-          <a:p>
-            <a:pPr marL="171450" indent="-171450">
-              <a:buFontTx/>
-              <a:buChar char="-"/>
-            </a:pPr>
-            <a:r>
-              <a:rPr lang="pt-PT" dirty="0" err="1"/>
-              <a:t>Sentence</a:t>
-            </a:r>
-            <a:r>
-              <a:rPr lang="pt-PT" dirty="0"/>
-              <a:t> </a:t>
-            </a:r>
-            <a:r>
-              <a:rPr lang="pt-PT" dirty="0" err="1"/>
-              <a:t>generator</a:t>
-            </a:r>
-            <a:r>
-              <a:rPr lang="pt-PT" dirty="0"/>
-              <a:t> </a:t>
-            </a:r>
-            <a:r>
-              <a:rPr lang="pt-PT" dirty="0" err="1"/>
-              <a:t>with</a:t>
-            </a:r>
-            <a:r>
-              <a:rPr lang="pt-PT" dirty="0"/>
-              <a:t> </a:t>
-            </a:r>
-            <a:r>
-              <a:rPr lang="pt-PT" dirty="0" err="1"/>
-              <a:t>Markov</a:t>
-            </a:r>
-            <a:r>
-              <a:rPr lang="pt-PT" dirty="0"/>
-              <a:t> </a:t>
-            </a:r>
-            <a:r>
-              <a:rPr lang="pt-PT" dirty="0" err="1"/>
-              <a:t>chains</a:t>
-            </a:r>
-            <a:r>
-              <a:rPr lang="pt-PT" dirty="0"/>
-              <a:t>: o programa </a:t>
-            </a:r>
-            <a:r>
-              <a:rPr lang="pt-PT" sz="1200" b="0" i="0" kern="1200" dirty="0">
-                <a:solidFill>
-                  <a:schemeClr val="tx1"/>
-                </a:solidFill>
-                <a:effectLst/>
-                <a:latin typeface="+mn-lt"/>
-                <a:ea typeface="+mn-ea"/>
-                <a:cs typeface="+mn-cs"/>
-              </a:rPr>
-              <a:t>cria um dicionário com as palavras, recebidas de um </a:t>
-            </a:r>
-            <a:r>
-              <a:rPr lang="pt-PT" sz="1200" b="0" i="0" kern="1200" dirty="0" err="1">
-                <a:solidFill>
-                  <a:schemeClr val="tx1"/>
-                </a:solidFill>
-                <a:effectLst/>
-                <a:latin typeface="+mn-lt"/>
-                <a:ea typeface="+mn-ea"/>
-                <a:cs typeface="+mn-cs"/>
-              </a:rPr>
-              <a:t>dataset</a:t>
-            </a:r>
-            <a:r>
-              <a:rPr lang="pt-PT" sz="1200" b="0" i="0" kern="1200" dirty="0">
-                <a:solidFill>
-                  <a:schemeClr val="tx1"/>
-                </a:solidFill>
-                <a:effectLst/>
-                <a:latin typeface="+mn-lt"/>
-                <a:ea typeface="+mn-ea"/>
-                <a:cs typeface="+mn-cs"/>
-              </a:rPr>
-              <a:t> com frases, e a palavra que vem a seguir, e depois aplica cadeias de </a:t>
-            </a:r>
-            <a:r>
-              <a:rPr lang="pt-PT" sz="1200" b="0" i="0" kern="1200" dirty="0" err="1">
-                <a:solidFill>
-                  <a:schemeClr val="tx1"/>
-                </a:solidFill>
-                <a:effectLst/>
-                <a:latin typeface="+mn-lt"/>
-                <a:ea typeface="+mn-ea"/>
-                <a:cs typeface="+mn-cs"/>
-              </a:rPr>
-              <a:t>Markov</a:t>
-            </a:r>
-            <a:r>
-              <a:rPr lang="pt-PT" sz="1200" b="0" i="0" kern="1200" dirty="0">
-                <a:solidFill>
-                  <a:schemeClr val="tx1"/>
-                </a:solidFill>
-                <a:effectLst/>
-                <a:latin typeface="+mn-lt"/>
-                <a:ea typeface="+mn-ea"/>
-                <a:cs typeface="+mn-cs"/>
-              </a:rPr>
-              <a:t> sobre essa informação tentando fazer frases que fazem sentido. As cadeias de </a:t>
-            </a:r>
-            <a:r>
-              <a:rPr lang="pt-PT" sz="1200" b="0" i="0" kern="1200" dirty="0" err="1">
-                <a:solidFill>
-                  <a:schemeClr val="tx1"/>
-                </a:solidFill>
-                <a:effectLst/>
-                <a:latin typeface="+mn-lt"/>
-                <a:ea typeface="+mn-ea"/>
-                <a:cs typeface="+mn-cs"/>
-              </a:rPr>
-              <a:t>Markov</a:t>
-            </a:r>
-            <a:r>
-              <a:rPr lang="pt-PT" sz="1200" b="0" i="0" kern="1200" dirty="0">
-                <a:solidFill>
-                  <a:schemeClr val="tx1"/>
-                </a:solidFill>
-                <a:effectLst/>
-                <a:latin typeface="+mn-lt"/>
-                <a:ea typeface="+mn-ea"/>
-                <a:cs typeface="+mn-cs"/>
-              </a:rPr>
-              <a:t> são uteis para prever o estado futuro com base nas características do estado presente. Assim , o programa utiliza e analisa as frases de um </a:t>
-            </a:r>
-            <a:r>
-              <a:rPr lang="pt-PT" sz="1200" b="0" i="0" kern="1200" dirty="0" err="1">
-                <a:solidFill>
-                  <a:schemeClr val="tx1"/>
-                </a:solidFill>
-                <a:effectLst/>
-                <a:latin typeface="+mn-lt"/>
-                <a:ea typeface="+mn-ea"/>
-                <a:cs typeface="+mn-cs"/>
-              </a:rPr>
-              <a:t>dataset</a:t>
-            </a:r>
-            <a:r>
-              <a:rPr lang="pt-PT" sz="1200" b="0" i="0" kern="1200" dirty="0">
-                <a:solidFill>
-                  <a:schemeClr val="tx1"/>
-                </a:solidFill>
-                <a:effectLst/>
-                <a:latin typeface="+mn-lt"/>
-                <a:ea typeface="+mn-ea"/>
-                <a:cs typeface="+mn-cs"/>
-              </a:rPr>
-              <a:t> inicial e, a partir dai, tenta prever e gerar novas frases. Utiliza as cadeiras de </a:t>
-            </a:r>
-            <a:r>
-              <a:rPr lang="pt-PT" sz="1200" b="0" i="0" kern="1200" dirty="0" err="1">
-                <a:solidFill>
-                  <a:schemeClr val="tx1"/>
-                </a:solidFill>
-                <a:effectLst/>
-                <a:latin typeface="+mn-lt"/>
-                <a:ea typeface="+mn-ea"/>
-                <a:cs typeface="+mn-cs"/>
-              </a:rPr>
-              <a:t>markov</a:t>
-            </a:r>
-            <a:r>
-              <a:rPr lang="pt-PT" sz="1200" b="0" i="0" kern="1200" dirty="0">
-                <a:solidFill>
-                  <a:schemeClr val="tx1"/>
-                </a:solidFill>
-                <a:effectLst/>
-                <a:latin typeface="+mn-lt"/>
-                <a:ea typeface="+mn-ea"/>
-                <a:cs typeface="+mn-cs"/>
-              </a:rPr>
-              <a:t> para prever quais as sequências de palavras mais adequadas que precedem a um outro conjunto de palavras.</a:t>
-            </a:r>
-          </a:p>
-          <a:p>
-            <a:pPr marL="171450" indent="-171450">
-              <a:buFontTx/>
-              <a:buChar char="-"/>
-            </a:pPr>
-            <a:r>
-              <a:rPr lang="pt-PT" sz="1200" b="0" i="0" kern="1200" dirty="0">
-                <a:solidFill>
-                  <a:schemeClr val="tx1"/>
-                </a:solidFill>
-                <a:effectLst/>
-                <a:latin typeface="+mn-lt"/>
-                <a:ea typeface="+mn-ea"/>
-                <a:cs typeface="+mn-cs"/>
-              </a:rPr>
-              <a:t>Cadeias de </a:t>
-            </a:r>
-            <a:r>
-              <a:rPr lang="pt-PT" sz="1200" b="0" i="0" kern="1200" dirty="0" err="1">
-                <a:solidFill>
-                  <a:schemeClr val="tx1"/>
-                </a:solidFill>
-                <a:effectLst/>
-                <a:latin typeface="+mn-lt"/>
-                <a:ea typeface="+mn-ea"/>
-                <a:cs typeface="+mn-cs"/>
-              </a:rPr>
-              <a:t>Markov</a:t>
-            </a:r>
-            <a:r>
-              <a:rPr lang="pt-PT" sz="1200" b="0" i="0" kern="1200" dirty="0">
-                <a:solidFill>
-                  <a:schemeClr val="tx1"/>
-                </a:solidFill>
-                <a:effectLst/>
-                <a:latin typeface="+mn-lt"/>
-                <a:ea typeface="+mn-ea"/>
-                <a:cs typeface="+mn-cs"/>
-              </a:rPr>
-              <a:t> são, por isso, bastante utilizadas neste tipo de situações!</a:t>
-            </a:r>
+              <a:t>profiler</a:t>
+            </a:r>
+            <a:r>
+              <a:rPr lang="pt-PT" dirty="0"/>
+              <a:t>, apenas somos responsáveis pelas frases de diálogo com o aluno</a:t>
+            </a:r>
+          </a:p>
+          <a:p>
+            <a:r>
+              <a:rPr lang="pt-PT" dirty="0"/>
+              <a:t>&gt;&gt; arquitetura básica do componente e sua interação com os outros módulos</a:t>
+            </a:r>
+            <a:br>
+              <a:rPr lang="pt-PT" dirty="0"/>
+            </a:br>
+            <a:r>
+              <a:rPr lang="pt-PT" dirty="0"/>
+              <a:t>---- imagem</a:t>
+            </a:r>
+          </a:p>
+          <a:p>
             <a:endParaRPr lang="pt-PT" dirty="0"/>
           </a:p>
         </p:txBody>
@@ -1590,7 +1671,7 @@
           <a:p>
             <a:fld id="{F9C76EEC-3DB8-4814-A8C5-185DA6C5A9E9}" type="slidenum">
               <a:rPr lang="pt-PT" smtClean="0"/>
-              <a:t>9</a:t>
+              <a:t>7</a:t>
             </a:fld>
             <a:endParaRPr lang="pt-PT"/>
           </a:p>
@@ -1599,7 +1680,7 @@
     </p:spTree>
     <p:extLst>
       <p:ext uri="{BB962C8B-B14F-4D97-AF65-F5344CB8AC3E}">
-        <p14:creationId xmlns:p14="http://schemas.microsoft.com/office/powerpoint/2010/main" val="3154484066"/>
+        <p14:creationId xmlns:p14="http://schemas.microsoft.com/office/powerpoint/2010/main" val="3339019805"/>
       </p:ext>
     </p:extLst>
   </p:cSld>
@@ -1655,45 +1736,80 @@
           <a:p>
             <a:r>
               <a:rPr lang="pt-PT" dirty="0"/>
-              <a:t>Ponto 2.1 – falar q </a:t>
+              <a:t>DIANA</a:t>
+            </a:r>
+          </a:p>
+          <a:p>
+            <a:endParaRPr lang="pt-PT" dirty="0"/>
+          </a:p>
+          <a:p>
+            <a:r>
+              <a:rPr lang="pt-PT" dirty="0"/>
+              <a:t>&gt;&gt; apresentação de um pequeno excerto da base de dados das frases e da sua informação de suporte.</a:t>
+            </a:r>
+          </a:p>
+          <a:p>
+            <a:r>
+              <a:rPr lang="pt-PT" dirty="0"/>
+              <a:t>&gt;&gt; exemplo de um diálogo suportado pelo sistema.</a:t>
+            </a:r>
+          </a:p>
+          <a:p>
+            <a:r>
+              <a:rPr lang="pt-PT" dirty="0"/>
+              <a:t>&gt;&gt; explicar </a:t>
             </a:r>
             <a:r>
               <a:rPr lang="pt-PT" dirty="0" err="1"/>
-              <a:t>mongoDB</a:t>
-            </a:r>
-            <a:r>
-              <a:rPr lang="pt-PT" dirty="0"/>
-              <a:t> e parão alteram constantemente conforme regras e conforme vamos querendo eficiência</a:t>
-            </a:r>
-            <a:br>
-              <a:rPr lang="pt-PT" dirty="0"/>
-            </a:br>
+              <a:t>tags</a:t>
+            </a:r>
+            <a:r>
+              <a:rPr lang="pt-PT" dirty="0"/>
+              <a:t> (</a:t>
+            </a:r>
+            <a:r>
+              <a:rPr lang="pt-PT" dirty="0" err="1"/>
+              <a:t>greetings</a:t>
+            </a:r>
+            <a:r>
+              <a:rPr lang="pt-PT" dirty="0"/>
+              <a:t>, </a:t>
+            </a:r>
+            <a:r>
+              <a:rPr lang="pt-PT" dirty="0" err="1"/>
+              <a:t>funny</a:t>
+            </a:r>
+            <a:r>
+              <a:rPr lang="pt-PT" dirty="0"/>
+              <a:t>, </a:t>
+            </a:r>
+            <a:r>
+              <a:rPr lang="pt-PT" dirty="0" err="1"/>
+              <a:t>phrase</a:t>
+            </a:r>
+            <a:r>
+              <a:rPr lang="pt-PT" dirty="0"/>
+              <a:t>, </a:t>
+            </a:r>
+            <a:r>
+              <a:rPr lang="pt-PT" dirty="0" err="1"/>
+              <a:t>counter</a:t>
+            </a:r>
+            <a:r>
+              <a:rPr lang="pt-PT" dirty="0"/>
+              <a:t>, </a:t>
+            </a:r>
+            <a:r>
+              <a:rPr lang="pt-PT" dirty="0" err="1"/>
+              <a:t>answer</a:t>
+            </a:r>
+            <a:r>
+              <a:rPr lang="pt-PT" dirty="0"/>
+              <a:t>…)</a:t>
+            </a:r>
+          </a:p>
+          <a:p>
             <a:endParaRPr lang="pt-PT" dirty="0"/>
-          </a:p>
-          <a:p>
-            <a:r>
-              <a:rPr lang="pt-PT" dirty="0"/>
-              <a:t>Ponto 2.2 – dizer q árvore é o q permite escolher diálogo, com base em destreza e tal</a:t>
-            </a:r>
-          </a:p>
-          <a:p>
-            <a:endParaRPr lang="pt-PT" dirty="0"/>
-          </a:p>
-          <a:p>
-            <a:r>
-              <a:rPr lang="pt-PT" dirty="0"/>
-              <a:t>Ponto 2.3 – dizer que é supervisionada para já ?</a:t>
-            </a:r>
-            <a:br>
-              <a:rPr lang="pt-PT" dirty="0"/>
-            </a:br>
-            <a:br>
-              <a:rPr lang="pt-PT" dirty="0"/>
-            </a:br>
-            <a:r>
-              <a:rPr lang="pt-PT" dirty="0"/>
-              <a:t>Ponto 3 – dizer q basicamente temos que melhorar tudo o que temos acima</a:t>
-            </a:r>
           </a:p>
         </p:txBody>
       </p:sp>
@@ -1714,7 +1830,7 @@
           <a:p>
             <a:fld id="{F9C76EEC-3DB8-4814-A8C5-185DA6C5A9E9}" type="slidenum">
               <a:rPr lang="pt-PT" smtClean="0"/>
-              <a:t>10</a:t>
+              <a:t>8</a:t>
             </a:fld>
             <a:endParaRPr lang="pt-PT"/>
           </a:p>
@@ -1723,7 +1839,7 @@
     </p:spTree>
     <p:extLst>
       <p:ext uri="{BB962C8B-B14F-4D97-AF65-F5344CB8AC3E}">
-        <p14:creationId xmlns:p14="http://schemas.microsoft.com/office/powerpoint/2010/main" val="2653281919"/>
+        <p14:creationId xmlns:p14="http://schemas.microsoft.com/office/powerpoint/2010/main" val="2373765445"/>
       </p:ext>
     </p:extLst>
   </p:cSld>
@@ -1779,45 +1895,254 @@
           <a:p>
             <a:r>
               <a:rPr lang="pt-PT" dirty="0"/>
-              <a:t>Ponto 2.1 – falar q </a:t>
+              <a:t>GIL</a:t>
+            </a:r>
+          </a:p>
+          <a:p>
+            <a:endParaRPr lang="pt-PT" dirty="0"/>
+          </a:p>
+          <a:p>
+            <a:r>
+              <a:rPr lang="pt-PT" dirty="0"/>
+              <a:t>- No </a:t>
             </a:r>
             <a:r>
               <a:rPr lang="pt-PT" dirty="0" err="1"/>
-              <a:t>mongoDB</a:t>
-            </a:r>
-            <a:r>
-              <a:rPr lang="pt-PT" dirty="0"/>
-              <a:t> e parão alteram constantemente conforme regras e conforme vamos querendo eficiência</a:t>
-            </a:r>
-            <a:br>
-              <a:rPr lang="pt-PT" dirty="0"/>
-            </a:br>
+              <a:t>python</a:t>
+            </a:r>
+            <a:r>
+              <a:rPr lang="pt-PT" dirty="0"/>
+              <a:t> falar do script para geração de frases, com cadeias de </a:t>
+            </a:r>
+            <a:r>
+              <a:rPr lang="pt-PT" dirty="0" err="1"/>
+              <a:t>Markov</a:t>
+            </a:r>
+            <a:r>
+              <a:rPr lang="pt-PT" dirty="0"/>
+              <a:t> e utilização de NLTK para processamento de frases (separar por palavras)</a:t>
+            </a:r>
+          </a:p>
+          <a:p>
+            <a:pPr marL="171450" indent="-171450">
+              <a:buFontTx/>
+              <a:buChar char="-"/>
+            </a:pPr>
+            <a:r>
+              <a:rPr lang="pt-PT" dirty="0" err="1"/>
+              <a:t>Sentence</a:t>
+            </a:r>
+            <a:r>
+              <a:rPr lang="pt-PT" dirty="0"/>
+              <a:t> </a:t>
+            </a:r>
+            <a:r>
+              <a:rPr lang="pt-PT" dirty="0" err="1"/>
+              <a:t>generator</a:t>
+            </a:r>
+            <a:r>
+              <a:rPr lang="pt-PT" dirty="0"/>
+              <a:t> </a:t>
+            </a:r>
+            <a:r>
+              <a:rPr lang="pt-PT" dirty="0" err="1"/>
+              <a:t>with</a:t>
+            </a:r>
+            <a:r>
+              <a:rPr lang="pt-PT" dirty="0"/>
+              <a:t> </a:t>
+            </a:r>
+            <a:r>
+              <a:rPr lang="pt-PT" dirty="0" err="1"/>
+              <a:t>Markov</a:t>
+            </a:r>
+            <a:r>
+              <a:rPr lang="pt-PT" dirty="0"/>
+              <a:t> </a:t>
+            </a:r>
+            <a:r>
+              <a:rPr lang="pt-PT" dirty="0" err="1"/>
+              <a:t>chains</a:t>
+            </a:r>
+            <a:r>
+              <a:rPr lang="pt-PT" dirty="0"/>
+              <a:t>: o programa </a:t>
+            </a:r>
+            <a:r>
+              <a:rPr lang="pt-PT" sz="1200" b="0" i="0" kern="1200" dirty="0">
+                <a:solidFill>
+                  <a:schemeClr val="tx1"/>
+                </a:solidFill>
+                <a:effectLst/>
+                <a:latin typeface="+mn-lt"/>
+                <a:ea typeface="+mn-ea"/>
+                <a:cs typeface="+mn-cs"/>
+              </a:rPr>
+              <a:t>cria um dicionário com as palavras, recebidas de um </a:t>
+            </a:r>
+            <a:r>
+              <a:rPr lang="pt-PT" sz="1200" b="0" i="0" kern="1200" dirty="0" err="1">
+                <a:solidFill>
+                  <a:schemeClr val="tx1"/>
+                </a:solidFill>
+                <a:effectLst/>
+                <a:latin typeface="+mn-lt"/>
+                <a:ea typeface="+mn-ea"/>
+                <a:cs typeface="+mn-cs"/>
+              </a:rPr>
+              <a:t>dataset</a:t>
+            </a:r>
+            <a:r>
+              <a:rPr lang="pt-PT" sz="1200" b="0" i="0" kern="1200" dirty="0">
+                <a:solidFill>
+                  <a:schemeClr val="tx1"/>
+                </a:solidFill>
+                <a:effectLst/>
+                <a:latin typeface="+mn-lt"/>
+                <a:ea typeface="+mn-ea"/>
+                <a:cs typeface="+mn-cs"/>
+              </a:rPr>
+              <a:t> com frases, e a palavra que vem a seguir, e depois aplica cadeias de </a:t>
+            </a:r>
+            <a:r>
+              <a:rPr lang="pt-PT" sz="1200" b="0" i="0" kern="1200" dirty="0" err="1">
+                <a:solidFill>
+                  <a:schemeClr val="tx1"/>
+                </a:solidFill>
+                <a:effectLst/>
+                <a:latin typeface="+mn-lt"/>
+                <a:ea typeface="+mn-ea"/>
+                <a:cs typeface="+mn-cs"/>
+              </a:rPr>
+              <a:t>Markov</a:t>
+            </a:r>
+            <a:r>
+              <a:rPr lang="pt-PT" sz="1200" b="0" i="0" kern="1200" dirty="0">
+                <a:solidFill>
+                  <a:schemeClr val="tx1"/>
+                </a:solidFill>
+                <a:effectLst/>
+                <a:latin typeface="+mn-lt"/>
+                <a:ea typeface="+mn-ea"/>
+                <a:cs typeface="+mn-cs"/>
+              </a:rPr>
+              <a:t> sobre essa informação tentando fazer frases que fazem sentido. As cadeias de </a:t>
+            </a:r>
+            <a:r>
+              <a:rPr lang="pt-PT" sz="1200" b="0" i="0" kern="1200" dirty="0" err="1">
+                <a:solidFill>
+                  <a:schemeClr val="tx1"/>
+                </a:solidFill>
+                <a:effectLst/>
+                <a:latin typeface="+mn-lt"/>
+                <a:ea typeface="+mn-ea"/>
+                <a:cs typeface="+mn-cs"/>
+              </a:rPr>
+              <a:t>Markov</a:t>
+            </a:r>
+            <a:r>
+              <a:rPr lang="pt-PT" sz="1200" b="0" i="0" kern="1200" dirty="0">
+                <a:solidFill>
+                  <a:schemeClr val="tx1"/>
+                </a:solidFill>
+                <a:effectLst/>
+                <a:latin typeface="+mn-lt"/>
+                <a:ea typeface="+mn-ea"/>
+                <a:cs typeface="+mn-cs"/>
+              </a:rPr>
+              <a:t> são uteis para prever o estado futuro com base nas características do estado presente. Assim , o programa utiliza e analisa as frases de um </a:t>
+            </a:r>
+            <a:r>
+              <a:rPr lang="pt-PT" sz="1200" b="0" i="0" kern="1200" dirty="0" err="1">
+                <a:solidFill>
+                  <a:schemeClr val="tx1"/>
+                </a:solidFill>
+                <a:effectLst/>
+                <a:latin typeface="+mn-lt"/>
+                <a:ea typeface="+mn-ea"/>
+                <a:cs typeface="+mn-cs"/>
+              </a:rPr>
+              <a:t>dataset</a:t>
+            </a:r>
+            <a:r>
+              <a:rPr lang="pt-PT" sz="1200" b="0" i="0" kern="1200" dirty="0">
+                <a:solidFill>
+                  <a:schemeClr val="tx1"/>
+                </a:solidFill>
+                <a:effectLst/>
+                <a:latin typeface="+mn-lt"/>
+                <a:ea typeface="+mn-ea"/>
+                <a:cs typeface="+mn-cs"/>
+              </a:rPr>
+              <a:t> inicial e, a partir dai, tenta prever e gerar novas frases. Utiliza as cadeiras de </a:t>
+            </a:r>
+            <a:r>
+              <a:rPr lang="pt-PT" sz="1200" b="0" i="0" kern="1200" dirty="0" err="1">
+                <a:solidFill>
+                  <a:schemeClr val="tx1"/>
+                </a:solidFill>
+                <a:effectLst/>
+                <a:latin typeface="+mn-lt"/>
+                <a:ea typeface="+mn-ea"/>
+                <a:cs typeface="+mn-cs"/>
+              </a:rPr>
+              <a:t>markov</a:t>
+            </a:r>
+            <a:r>
+              <a:rPr lang="pt-PT" sz="1200" b="0" i="0" kern="1200" dirty="0">
+                <a:solidFill>
+                  <a:schemeClr val="tx1"/>
+                </a:solidFill>
+                <a:effectLst/>
+                <a:latin typeface="+mn-lt"/>
+                <a:ea typeface="+mn-ea"/>
+                <a:cs typeface="+mn-cs"/>
+              </a:rPr>
+              <a:t> para prever quais as sequências de palavras mais adequadas que precedem a um outro conjunto de palavras.</a:t>
+            </a:r>
+          </a:p>
+          <a:p>
+            <a:pPr marL="171450" indent="-171450">
+              <a:buFontTx/>
+              <a:buChar char="-"/>
+            </a:pPr>
+            <a:r>
+              <a:rPr lang="pt-PT" sz="1200" b="0" i="0" kern="1200" dirty="0">
+                <a:solidFill>
+                  <a:schemeClr val="tx1"/>
+                </a:solidFill>
+                <a:effectLst/>
+                <a:latin typeface="+mn-lt"/>
+                <a:ea typeface="+mn-ea"/>
+                <a:cs typeface="+mn-cs"/>
+              </a:rPr>
+              <a:t>Cadeias de </a:t>
+            </a:r>
+            <a:r>
+              <a:rPr lang="pt-PT" sz="1200" b="0" i="0" kern="1200" dirty="0" err="1">
+                <a:solidFill>
+                  <a:schemeClr val="tx1"/>
+                </a:solidFill>
+                <a:effectLst/>
+                <a:latin typeface="+mn-lt"/>
+                <a:ea typeface="+mn-ea"/>
+                <a:cs typeface="+mn-cs"/>
+              </a:rPr>
+              <a:t>Markov</a:t>
+            </a:r>
+            <a:r>
+              <a:rPr lang="pt-PT" sz="1200" b="0" i="0" kern="1200" dirty="0">
+                <a:solidFill>
+                  <a:schemeClr val="tx1"/>
+                </a:solidFill>
+                <a:effectLst/>
+                <a:latin typeface="+mn-lt"/>
+                <a:ea typeface="+mn-ea"/>
+                <a:cs typeface="+mn-cs"/>
+              </a:rPr>
+              <a:t> são, por isso, bastante utilizadas neste tipo de situações!</a:t>
+            </a:r>
             <a:endParaRPr lang="pt-PT" dirty="0"/>
-          </a:p>
-          <a:p>
-            <a:r>
-              <a:rPr lang="pt-PT" dirty="0"/>
-              <a:t>Ponto 2.2 – dizer q árvore é o q permite escolher diálogo, com base em destreza e tal</a:t>
-            </a:r>
-          </a:p>
-          <a:p>
-            <a:endParaRPr lang="pt-PT" dirty="0"/>
-          </a:p>
-          <a:p>
-            <a:r>
-              <a:rPr lang="pt-PT" dirty="0"/>
-              <a:t>Ponto 2.3 – dizer que é supervisionada para já ?</a:t>
-            </a:r>
-            <a:br>
-              <a:rPr lang="pt-PT" dirty="0"/>
-            </a:br>
-            <a:br>
-              <a:rPr lang="pt-PT" dirty="0"/>
-            </a:br>
-            <a:r>
-              <a:rPr lang="pt-PT" dirty="0"/>
-              <a:t>Ponto 3 – dizer q basicamente temos que melhorar tudo o que temos acima</a:t>
-            </a:r>
           </a:p>
         </p:txBody>
       </p:sp>
@@ -1838,7 +2163,7 @@
           <a:p>
             <a:fld id="{F9C76EEC-3DB8-4814-A8C5-185DA6C5A9E9}" type="slidenum">
               <a:rPr lang="pt-PT" smtClean="0"/>
-              <a:t>11</a:t>
+              <a:t>9</a:t>
             </a:fld>
             <a:endParaRPr lang="pt-PT"/>
           </a:p>
@@ -1847,7 +2172,7 @@
     </p:spTree>
     <p:extLst>
       <p:ext uri="{BB962C8B-B14F-4D97-AF65-F5344CB8AC3E}">
-        <p14:creationId xmlns:p14="http://schemas.microsoft.com/office/powerpoint/2010/main" val="2155469764"/>
+        <p14:creationId xmlns:p14="http://schemas.microsoft.com/office/powerpoint/2010/main" val="3154484066"/>
       </p:ext>
     </p:extLst>
   </p:cSld>

--- a/Report/presentation.pptx
+++ b/Report/presentation.pptx
@@ -208,7 +208,7 @@
           <a:p>
             <a:fld id="{FDDF5FE0-F804-4E91-803A-7CECEE48BB95}" type="datetimeFigureOut">
               <a:rPr lang="pt-PT" smtClean="0"/>
-              <a:t>26/03/2019</a:t>
+              <a:t>27/03/2019</a:t>
             </a:fld>
             <a:endParaRPr lang="pt-PT"/>
           </a:p>
@@ -1467,6 +1467,49 @@
               <a:rPr lang="pt-PT" dirty="0"/>
               <a:t>&gt;&gt; apresentação geral das funcionalidades do componente.</a:t>
             </a:r>
+          </a:p>
+          <a:p>
+            <a:pPr marL="0" marR="0" lvl="0" indent="0" algn="l" defTabSz="914400" rtl="0" eaLnBrk="1" fontAlgn="auto" latinLnBrk="0" hangingPunct="1">
+              <a:lnSpc>
+                <a:spcPct val="100000"/>
+              </a:lnSpc>
+              <a:spcBef>
+                <a:spcPts val="0"/>
+              </a:spcBef>
+              <a:spcAft>
+                <a:spcPts val="0"/>
+              </a:spcAft>
+              <a:buClrTx/>
+              <a:buSzTx/>
+              <a:buFontTx/>
+              <a:buNone/>
+              <a:tabLst/>
+              <a:defRPr/>
+            </a:pPr>
+            <a:endParaRPr lang="pt-PT" dirty="0"/>
+          </a:p>
+          <a:p>
+            <a:pPr marL="0" marR="0" lvl="0" indent="0" algn="l" defTabSz="914400" rtl="0" eaLnBrk="1" fontAlgn="auto" latinLnBrk="0" hangingPunct="1">
+              <a:lnSpc>
+                <a:spcPct val="100000"/>
+              </a:lnSpc>
+              <a:spcBef>
+                <a:spcPts val="0"/>
+              </a:spcBef>
+              <a:spcAft>
+                <a:spcPts val="0"/>
+              </a:spcAft>
+              <a:buClrTx/>
+              <a:buSzTx/>
+              <a:buFontTx/>
+              <a:buNone/>
+              <a:tabLst/>
+              <a:defRPr/>
+            </a:pPr>
+            <a:r>
+              <a:rPr lang="pt-PT" dirty="0"/>
+              <a:t>	COMPONENTE  NOSSA --- ESTÁ INTEGRADA NOUTRAS  como BD &amp; PROFILER</a:t>
+            </a:r>
             <a:br>
               <a:rPr lang="pt-PT" dirty="0"/>
             </a:br>
@@ -1780,8 +1823,8 @@
               <a:t>funny</a:t>
             </a:r>
             <a:r>
-              <a:rPr lang="pt-PT" dirty="0"/>
-              <a:t>, </a:t>
+              <a:rPr lang="pt-PT"/>
+              <a:t> [ESTADOS ESPIRITO LEONARDO], </a:t>
             </a:r>
             <a:r>
               <a:rPr lang="pt-PT" dirty="0" err="1"/>
@@ -2408,7 +2451,7 @@
           <a:p>
             <a:fld id="{D3D2C362-FAA5-4C55-BE02-652F59C753E4}" type="datetimeFigureOut">
               <a:rPr lang="pt-PT" smtClean="0"/>
-              <a:t>26/03/2019</a:t>
+              <a:t>27/03/2019</a:t>
             </a:fld>
             <a:endParaRPr lang="pt-PT"/>
           </a:p>
@@ -2616,7 +2659,7 @@
           <a:p>
             <a:fld id="{D3D2C362-FAA5-4C55-BE02-652F59C753E4}" type="datetimeFigureOut">
               <a:rPr lang="pt-PT" smtClean="0"/>
-              <a:t>26/03/2019</a:t>
+              <a:t>27/03/2019</a:t>
             </a:fld>
             <a:endParaRPr lang="pt-PT"/>
           </a:p>
@@ -2872,7 +2915,7 @@
           <a:p>
             <a:fld id="{D3D2C362-FAA5-4C55-BE02-652F59C753E4}" type="datetimeFigureOut">
               <a:rPr lang="pt-PT" smtClean="0"/>
-              <a:t>26/03/2019</a:t>
+              <a:t>27/03/2019</a:t>
             </a:fld>
             <a:endParaRPr lang="pt-PT"/>
           </a:p>
@@ -3046,7 +3089,7 @@
           <a:p>
             <a:fld id="{D3D2C362-FAA5-4C55-BE02-652F59C753E4}" type="datetimeFigureOut">
               <a:rPr lang="pt-PT" smtClean="0"/>
-              <a:t>26/03/2019</a:t>
+              <a:t>27/03/2019</a:t>
             </a:fld>
             <a:endParaRPr lang="pt-PT"/>
           </a:p>
@@ -3389,7 +3432,7 @@
           <a:p>
             <a:fld id="{D3D2C362-FAA5-4C55-BE02-652F59C753E4}" type="datetimeFigureOut">
               <a:rPr lang="pt-PT" smtClean="0"/>
-              <a:t>26/03/2019</a:t>
+              <a:t>27/03/2019</a:t>
             </a:fld>
             <a:endParaRPr lang="pt-PT"/>
           </a:p>
@@ -3664,7 +3707,7 @@
           <a:p>
             <a:fld id="{D3D2C362-FAA5-4C55-BE02-652F59C753E4}" type="datetimeFigureOut">
               <a:rPr lang="pt-PT" smtClean="0"/>
-              <a:t>26/03/2019</a:t>
+              <a:t>27/03/2019</a:t>
             </a:fld>
             <a:endParaRPr lang="pt-PT"/>
           </a:p>
@@ -4043,7 +4086,7 @@
           <a:p>
             <a:fld id="{D3D2C362-FAA5-4C55-BE02-652F59C753E4}" type="datetimeFigureOut">
               <a:rPr lang="pt-PT" smtClean="0"/>
-              <a:t>26/03/2019</a:t>
+              <a:t>27/03/2019</a:t>
             </a:fld>
             <a:endParaRPr lang="pt-PT"/>
           </a:p>
@@ -4161,7 +4204,7 @@
           <a:p>
             <a:fld id="{D3D2C362-FAA5-4C55-BE02-652F59C753E4}" type="datetimeFigureOut">
               <a:rPr lang="pt-PT" smtClean="0"/>
-              <a:t>26/03/2019</a:t>
+              <a:t>27/03/2019</a:t>
             </a:fld>
             <a:endParaRPr lang="pt-PT"/>
           </a:p>
@@ -4332,7 +4375,7 @@
           <a:p>
             <a:fld id="{D3D2C362-FAA5-4C55-BE02-652F59C753E4}" type="datetimeFigureOut">
               <a:rPr lang="pt-PT" smtClean="0"/>
-              <a:t>26/03/2019</a:t>
+              <a:t>27/03/2019</a:t>
             </a:fld>
             <a:endParaRPr lang="pt-PT"/>
           </a:p>
@@ -4686,7 +4729,7 @@
           <a:p>
             <a:fld id="{D3D2C362-FAA5-4C55-BE02-652F59C753E4}" type="datetimeFigureOut">
               <a:rPr lang="pt-PT" smtClean="0"/>
-              <a:t>26/03/2019</a:t>
+              <a:t>27/03/2019</a:t>
             </a:fld>
             <a:endParaRPr lang="pt-PT"/>
           </a:p>
@@ -5068,7 +5111,7 @@
           <a:p>
             <a:fld id="{D3D2C362-FAA5-4C55-BE02-652F59C753E4}" type="datetimeFigureOut">
               <a:rPr lang="pt-PT" smtClean="0"/>
-              <a:t>26/03/2019</a:t>
+              <a:t>27/03/2019</a:t>
             </a:fld>
             <a:endParaRPr lang="pt-PT"/>
           </a:p>
@@ -5355,7 +5398,7 @@
           <a:p>
             <a:fld id="{D3D2C362-FAA5-4C55-BE02-652F59C753E4}" type="datetimeFigureOut">
               <a:rPr lang="pt-PT" smtClean="0"/>
-              <a:t>26/03/2019</a:t>
+              <a:t>27/03/2019</a:t>
             </a:fld>
             <a:endParaRPr lang="pt-PT"/>
           </a:p>
